--- a/assets.pptx
+++ b/assets.pptx
@@ -2,19 +2,20 @@
 <file path=ppt/presentation.xml><?xml version="1.0" encoding="utf-8"?>
 <p:presentation xmlns:a="http://schemas.openxmlformats.org/drawingml/2006/main" xmlns:r="http://schemas.openxmlformats.org/officeDocument/2006/relationships" xmlns:p="http://schemas.openxmlformats.org/presentationml/2006/main" saveSubsetFonts="1" autoCompressPictures="0">
   <p:sldMasterIdLst>
-    <p:sldMasterId id="2147483648" r:id="rId1"/>
+    <p:sldMasterId id="2147483660" r:id="rId1"/>
   </p:sldMasterIdLst>
   <p:sldIdLst>
     <p:sldId id="256" r:id="rId2"/>
     <p:sldId id="257" r:id="rId3"/>
+    <p:sldId id="258" r:id="rId4"/>
   </p:sldIdLst>
-  <p:sldSz cx="12192000" cy="6858000"/>
+  <p:sldSz cx="5145088" cy="9144000"/>
   <p:notesSz cx="6858000" cy="9144000"/>
   <p:defaultTextStyle>
     <a:defPPr>
-      <a:defRPr lang="zh-CN"/>
+      <a:defRPr lang="en-US"/>
     </a:defPPr>
-    <a:lvl1pPr marL="0" algn="l" defTabSz="914400" rtl="0" eaLnBrk="1" latinLnBrk="0" hangingPunct="1">
+    <a:lvl1pPr marL="0" algn="l" defTabSz="457200" rtl="0" eaLnBrk="1" latinLnBrk="0" hangingPunct="1">
       <a:defRPr sz="1800" kern="1200">
         <a:solidFill>
           <a:schemeClr val="tx1"/>
@@ -24,7 +25,7 @@
         <a:cs typeface="+mn-cs"/>
       </a:defRPr>
     </a:lvl1pPr>
-    <a:lvl2pPr marL="457200" algn="l" defTabSz="914400" rtl="0" eaLnBrk="1" latinLnBrk="0" hangingPunct="1">
+    <a:lvl2pPr marL="457200" algn="l" defTabSz="457200" rtl="0" eaLnBrk="1" latinLnBrk="0" hangingPunct="1">
       <a:defRPr sz="1800" kern="1200">
         <a:solidFill>
           <a:schemeClr val="tx1"/>
@@ -34,7 +35,7 @@
         <a:cs typeface="+mn-cs"/>
       </a:defRPr>
     </a:lvl2pPr>
-    <a:lvl3pPr marL="914400" algn="l" defTabSz="914400" rtl="0" eaLnBrk="1" latinLnBrk="0" hangingPunct="1">
+    <a:lvl3pPr marL="914400" algn="l" defTabSz="457200" rtl="0" eaLnBrk="1" latinLnBrk="0" hangingPunct="1">
       <a:defRPr sz="1800" kern="1200">
         <a:solidFill>
           <a:schemeClr val="tx1"/>
@@ -44,7 +45,7 @@
         <a:cs typeface="+mn-cs"/>
       </a:defRPr>
     </a:lvl3pPr>
-    <a:lvl4pPr marL="1371600" algn="l" defTabSz="914400" rtl="0" eaLnBrk="1" latinLnBrk="0" hangingPunct="1">
+    <a:lvl4pPr marL="1371600" algn="l" defTabSz="457200" rtl="0" eaLnBrk="1" latinLnBrk="0" hangingPunct="1">
       <a:defRPr sz="1800" kern="1200">
         <a:solidFill>
           <a:schemeClr val="tx1"/>
@@ -54,7 +55,7 @@
         <a:cs typeface="+mn-cs"/>
       </a:defRPr>
     </a:lvl4pPr>
-    <a:lvl5pPr marL="1828800" algn="l" defTabSz="914400" rtl="0" eaLnBrk="1" latinLnBrk="0" hangingPunct="1">
+    <a:lvl5pPr marL="1828800" algn="l" defTabSz="457200" rtl="0" eaLnBrk="1" latinLnBrk="0" hangingPunct="1">
       <a:defRPr sz="1800" kern="1200">
         <a:solidFill>
           <a:schemeClr val="tx1"/>
@@ -64,7 +65,7 @@
         <a:cs typeface="+mn-cs"/>
       </a:defRPr>
     </a:lvl5pPr>
-    <a:lvl6pPr marL="2286000" algn="l" defTabSz="914400" rtl="0" eaLnBrk="1" latinLnBrk="0" hangingPunct="1">
+    <a:lvl6pPr marL="2286000" algn="l" defTabSz="457200" rtl="0" eaLnBrk="1" latinLnBrk="0" hangingPunct="1">
       <a:defRPr sz="1800" kern="1200">
         <a:solidFill>
           <a:schemeClr val="tx1"/>
@@ -74,7 +75,7 @@
         <a:cs typeface="+mn-cs"/>
       </a:defRPr>
     </a:lvl6pPr>
-    <a:lvl7pPr marL="2743200" algn="l" defTabSz="914400" rtl="0" eaLnBrk="1" latinLnBrk="0" hangingPunct="1">
+    <a:lvl7pPr marL="2743200" algn="l" defTabSz="457200" rtl="0" eaLnBrk="1" latinLnBrk="0" hangingPunct="1">
       <a:defRPr sz="1800" kern="1200">
         <a:solidFill>
           <a:schemeClr val="tx1"/>
@@ -84,7 +85,7 @@
         <a:cs typeface="+mn-cs"/>
       </a:defRPr>
     </a:lvl7pPr>
-    <a:lvl8pPr marL="3200400" algn="l" defTabSz="914400" rtl="0" eaLnBrk="1" latinLnBrk="0" hangingPunct="1">
+    <a:lvl8pPr marL="3200400" algn="l" defTabSz="457200" rtl="0" eaLnBrk="1" latinLnBrk="0" hangingPunct="1">
       <a:defRPr sz="1800" kern="1200">
         <a:solidFill>
           <a:schemeClr val="tx1"/>
@@ -94,7 +95,7 @@
         <a:cs typeface="+mn-cs"/>
       </a:defRPr>
     </a:lvl8pPr>
-    <a:lvl9pPr marL="3657600" algn="l" defTabSz="914400" rtl="0" eaLnBrk="1" latinLnBrk="0" hangingPunct="1">
+    <a:lvl9pPr marL="3657600" algn="l" defTabSz="457200" rtl="0" eaLnBrk="1" latinLnBrk="0" hangingPunct="1">
       <a:defRPr sz="1800" kern="1200">
         <a:solidFill>
           <a:schemeClr val="tx1"/>
@@ -105,6 +106,11 @@
       </a:defRPr>
     </a:lvl9pPr>
   </p:defaultTextStyle>
+  <p:extLst>
+    <p:ext uri="{EFAFB233-063F-42B5-8137-9DF3F51BA10A}">
+      <p15:sldGuideLst xmlns:p15="http://schemas.microsoft.com/office/powerpoint/2012/main"/>
+    </p:ext>
+  </p:extLst>
 </p:presentation>
 </file>
 
@@ -127,13 +133,7 @@
       </p:grpSpPr>
       <p:sp>
         <p:nvSpPr>
-          <p:cNvPr id="2" name="标题 1">
-            <a:extLst>
-              <a:ext uri="{FF2B5EF4-FFF2-40B4-BE49-F238E27FC236}">
-                <a16:creationId xmlns:a16="http://schemas.microsoft.com/office/drawing/2014/main" id="{0048B584-2DD1-6D0A-8717-2BED8A96106B}"/>
-              </a:ext>
-            </a:extLst>
-          </p:cNvPr>
+          <p:cNvPr id="2" name="Title 1"/>
           <p:cNvSpPr>
             <a:spLocks noGrp="1"/>
           </p:cNvSpPr>
@@ -143,34 +143,29 @@
         </p:nvSpPr>
         <p:spPr>
           <a:xfrm>
-            <a:off x="1524000" y="1122363"/>
-            <a:ext cx="9144000" cy="2387600"/>
+            <a:off x="385882" y="1496484"/>
+            <a:ext cx="4373325" cy="3183467"/>
           </a:xfrm>
         </p:spPr>
         <p:txBody>
           <a:bodyPr anchor="b"/>
           <a:lstStyle>
             <a:lvl1pPr algn="ctr">
-              <a:defRPr sz="6000"/>
+              <a:defRPr sz="3376"/>
             </a:lvl1pPr>
           </a:lstStyle>
           <a:p>
             <a:r>
-              <a:rPr kumimoji="1" lang="zh-CN" altLang="en-US"/>
+              <a:rPr lang="zh-CN" altLang="en-US"/>
               <a:t>单击此处编辑母版标题样式</a:t>
             </a:r>
-          </a:p>
-        </p:txBody>
-      </p:sp>
-      <p:sp>
-        <p:nvSpPr>
-          <p:cNvPr id="3" name="副标题 2">
-            <a:extLst>
-              <a:ext uri="{FF2B5EF4-FFF2-40B4-BE49-F238E27FC236}">
-                <a16:creationId xmlns:a16="http://schemas.microsoft.com/office/drawing/2014/main" id="{3DE4BC4A-3709-16FE-4361-22B8B6B24D5E}"/>
-              </a:ext>
-            </a:extLst>
-          </p:cNvPr>
+            <a:endParaRPr lang="en-US" dirty="0"/>
+          </a:p>
+        </p:txBody>
+      </p:sp>
+      <p:sp>
+        <p:nvSpPr>
+          <p:cNvPr id="3" name="Subtitle 2"/>
           <p:cNvSpPr>
             <a:spLocks noGrp="1"/>
           </p:cNvSpPr>
@@ -180,8 +175,8 @@
         </p:nvSpPr>
         <p:spPr>
           <a:xfrm>
-            <a:off x="1524000" y="3602038"/>
-            <a:ext cx="9144000" cy="1655762"/>
+            <a:off x="643136" y="4802717"/>
+            <a:ext cx="3858816" cy="2207683"/>
           </a:xfrm>
         </p:spPr>
         <p:txBody>
@@ -189,58 +184,53 @@
           <a:lstStyle>
             <a:lvl1pPr marL="0" indent="0" algn="ctr">
               <a:buNone/>
-              <a:defRPr sz="2400"/>
+              <a:defRPr sz="1350"/>
             </a:lvl1pPr>
-            <a:lvl2pPr marL="457200" indent="0" algn="ctr">
-              <a:buNone/>
-              <a:defRPr sz="2000"/>
+            <a:lvl2pPr marL="257266" indent="0" algn="ctr">
+              <a:buNone/>
+              <a:defRPr sz="1125"/>
             </a:lvl2pPr>
-            <a:lvl3pPr marL="914400" indent="0" algn="ctr">
-              <a:buNone/>
-              <a:defRPr sz="1800"/>
+            <a:lvl3pPr marL="514533" indent="0" algn="ctr">
+              <a:buNone/>
+              <a:defRPr sz="1013"/>
             </a:lvl3pPr>
-            <a:lvl4pPr marL="1371600" indent="0" algn="ctr">
-              <a:buNone/>
-              <a:defRPr sz="1600"/>
+            <a:lvl4pPr marL="771799" indent="0" algn="ctr">
+              <a:buNone/>
+              <a:defRPr sz="900"/>
             </a:lvl4pPr>
-            <a:lvl5pPr marL="1828800" indent="0" algn="ctr">
-              <a:buNone/>
-              <a:defRPr sz="1600"/>
+            <a:lvl5pPr marL="1029066" indent="0" algn="ctr">
+              <a:buNone/>
+              <a:defRPr sz="900"/>
             </a:lvl5pPr>
-            <a:lvl6pPr marL="2286000" indent="0" algn="ctr">
-              <a:buNone/>
-              <a:defRPr sz="1600"/>
+            <a:lvl6pPr marL="1286332" indent="0" algn="ctr">
+              <a:buNone/>
+              <a:defRPr sz="900"/>
             </a:lvl6pPr>
-            <a:lvl7pPr marL="2743200" indent="0" algn="ctr">
-              <a:buNone/>
-              <a:defRPr sz="1600"/>
+            <a:lvl7pPr marL="1543599" indent="0" algn="ctr">
+              <a:buNone/>
+              <a:defRPr sz="900"/>
             </a:lvl7pPr>
-            <a:lvl8pPr marL="3200400" indent="0" algn="ctr">
-              <a:buNone/>
-              <a:defRPr sz="1600"/>
+            <a:lvl8pPr marL="1800865" indent="0" algn="ctr">
+              <a:buNone/>
+              <a:defRPr sz="900"/>
             </a:lvl8pPr>
-            <a:lvl9pPr marL="3657600" indent="0" algn="ctr">
-              <a:buNone/>
-              <a:defRPr sz="1600"/>
+            <a:lvl9pPr marL="2058132" indent="0" algn="ctr">
+              <a:buNone/>
+              <a:defRPr sz="900"/>
             </a:lvl9pPr>
           </a:lstStyle>
           <a:p>
             <a:r>
-              <a:rPr kumimoji="1" lang="zh-CN" altLang="en-US"/>
+              <a:rPr lang="zh-CN" altLang="en-US"/>
               <a:t>单击此处编辑母版副标题样式</a:t>
             </a:r>
-          </a:p>
-        </p:txBody>
-      </p:sp>
-      <p:sp>
-        <p:nvSpPr>
-          <p:cNvPr id="4" name="日期占位符 3">
-            <a:extLst>
-              <a:ext uri="{FF2B5EF4-FFF2-40B4-BE49-F238E27FC236}">
-                <a16:creationId xmlns:a16="http://schemas.microsoft.com/office/drawing/2014/main" id="{44B20924-3598-2575-E7EF-F1E563FB315E}"/>
-              </a:ext>
-            </a:extLst>
-          </p:cNvPr>
+            <a:endParaRPr lang="en-US" dirty="0"/>
+          </a:p>
+        </p:txBody>
+      </p:sp>
+      <p:sp>
+        <p:nvSpPr>
+          <p:cNvPr id="4" name="Date Placeholder 3"/>
           <p:cNvSpPr>
             <a:spLocks noGrp="1"/>
           </p:cNvSpPr>
@@ -255,7 +245,7 @@
           <a:p>
             <a:fld id="{EFF22EFD-1589-774C-B8CD-B5AC818481EA}" type="datetimeFigureOut">
               <a:rPr kumimoji="1" lang="zh-CN" altLang="en-US" smtClean="0"/>
-              <a:t>2023/7/31</a:t>
+              <a:t>2023/8/24</a:t>
             </a:fld>
             <a:endParaRPr kumimoji="1" lang="zh-CN" altLang="en-US"/>
           </a:p>
@@ -263,13 +253,7 @@
       </p:sp>
       <p:sp>
         <p:nvSpPr>
-          <p:cNvPr id="5" name="页脚占位符 4">
-            <a:extLst>
-              <a:ext uri="{FF2B5EF4-FFF2-40B4-BE49-F238E27FC236}">
-                <a16:creationId xmlns:a16="http://schemas.microsoft.com/office/drawing/2014/main" id="{557C1D34-9E9E-6944-1F86-E0655AC7BDB3}"/>
-              </a:ext>
-            </a:extLst>
-          </p:cNvPr>
+          <p:cNvPr id="5" name="Footer Placeholder 4"/>
           <p:cNvSpPr>
             <a:spLocks noGrp="1"/>
           </p:cNvSpPr>
@@ -288,13 +272,7 @@
       </p:sp>
       <p:sp>
         <p:nvSpPr>
-          <p:cNvPr id="6" name="灯片编号占位符 5">
-            <a:extLst>
-              <a:ext uri="{FF2B5EF4-FFF2-40B4-BE49-F238E27FC236}">
-                <a16:creationId xmlns:a16="http://schemas.microsoft.com/office/drawing/2014/main" id="{53E8B872-4CCC-A61A-19A7-9A36E5B210E2}"/>
-              </a:ext>
-            </a:extLst>
-          </p:cNvPr>
+          <p:cNvPr id="6" name="Slide Number Placeholder 5"/>
           <p:cNvSpPr>
             <a:spLocks noGrp="1"/>
           </p:cNvSpPr>
@@ -318,7 +296,7 @@
     </p:spTree>
     <p:extLst>
       <p:ext uri="{BB962C8B-B14F-4D97-AF65-F5344CB8AC3E}">
-        <p14:creationId xmlns:p14="http://schemas.microsoft.com/office/powerpoint/2010/main" val="2097968873"/>
+        <p14:creationId xmlns:p14="http://schemas.microsoft.com/office/powerpoint/2010/main" val="257538137"/>
       </p:ext>
     </p:extLst>
   </p:cSld>
@@ -347,13 +325,7 @@
       </p:grpSpPr>
       <p:sp>
         <p:nvSpPr>
-          <p:cNvPr id="2" name="标题 1">
-            <a:extLst>
-              <a:ext uri="{FF2B5EF4-FFF2-40B4-BE49-F238E27FC236}">
-                <a16:creationId xmlns:a16="http://schemas.microsoft.com/office/drawing/2014/main" id="{B102F8AA-D388-B7BE-CAA8-74E1538E9211}"/>
-              </a:ext>
-            </a:extLst>
-          </p:cNvPr>
+          <p:cNvPr id="2" name="Title 1"/>
           <p:cNvSpPr>
             <a:spLocks noGrp="1"/>
           </p:cNvSpPr>
@@ -367,21 +339,16 @@
           <a:lstStyle/>
           <a:p>
             <a:r>
-              <a:rPr kumimoji="1" lang="zh-CN" altLang="en-US"/>
+              <a:rPr lang="zh-CN" altLang="en-US"/>
               <a:t>单击此处编辑母版标题样式</a:t>
             </a:r>
-          </a:p>
-        </p:txBody>
-      </p:sp>
-      <p:sp>
-        <p:nvSpPr>
-          <p:cNvPr id="3" name="竖排文字占位符 2">
-            <a:extLst>
-              <a:ext uri="{FF2B5EF4-FFF2-40B4-BE49-F238E27FC236}">
-                <a16:creationId xmlns:a16="http://schemas.microsoft.com/office/drawing/2014/main" id="{CC889D5A-B994-0702-80DF-8C7A692F00F5}"/>
-              </a:ext>
-            </a:extLst>
-          </p:cNvPr>
+            <a:endParaRPr lang="en-US" dirty="0"/>
+          </a:p>
+        </p:txBody>
+      </p:sp>
+      <p:sp>
+        <p:nvSpPr>
+          <p:cNvPr id="3" name="Vertical Text Placeholder 2"/>
           <p:cNvSpPr>
             <a:spLocks noGrp="1"/>
           </p:cNvSpPr>
@@ -396,49 +363,44 @@
           <a:p>
             <a:pPr lvl="0"/>
             <a:r>
-              <a:rPr kumimoji="1" lang="zh-CN" altLang="en-US"/>
+              <a:rPr lang="zh-CN" altLang="en-US"/>
               <a:t>单击此处编辑母版文本样式</a:t>
             </a:r>
           </a:p>
           <a:p>
             <a:pPr lvl="1"/>
             <a:r>
-              <a:rPr kumimoji="1" lang="zh-CN" altLang="en-US"/>
+              <a:rPr lang="zh-CN" altLang="en-US"/>
               <a:t>二级</a:t>
             </a:r>
           </a:p>
           <a:p>
             <a:pPr lvl="2"/>
             <a:r>
-              <a:rPr kumimoji="1" lang="zh-CN" altLang="en-US"/>
+              <a:rPr lang="zh-CN" altLang="en-US"/>
               <a:t>三级</a:t>
             </a:r>
           </a:p>
           <a:p>
             <a:pPr lvl="3"/>
             <a:r>
-              <a:rPr kumimoji="1" lang="zh-CN" altLang="en-US"/>
+              <a:rPr lang="zh-CN" altLang="en-US"/>
               <a:t>四级</a:t>
             </a:r>
           </a:p>
           <a:p>
             <a:pPr lvl="4"/>
             <a:r>
-              <a:rPr kumimoji="1" lang="zh-CN" altLang="en-US"/>
+              <a:rPr lang="zh-CN" altLang="en-US"/>
               <a:t>五级</a:t>
             </a:r>
-          </a:p>
-        </p:txBody>
-      </p:sp>
-      <p:sp>
-        <p:nvSpPr>
-          <p:cNvPr id="4" name="日期占位符 3">
-            <a:extLst>
-              <a:ext uri="{FF2B5EF4-FFF2-40B4-BE49-F238E27FC236}">
-                <a16:creationId xmlns:a16="http://schemas.microsoft.com/office/drawing/2014/main" id="{85BC5CFA-216E-77A1-0340-98C6671B5113}"/>
-              </a:ext>
-            </a:extLst>
-          </p:cNvPr>
+            <a:endParaRPr lang="en-US" dirty="0"/>
+          </a:p>
+        </p:txBody>
+      </p:sp>
+      <p:sp>
+        <p:nvSpPr>
+          <p:cNvPr id="4" name="Date Placeholder 3"/>
           <p:cNvSpPr>
             <a:spLocks noGrp="1"/>
           </p:cNvSpPr>
@@ -453,7 +415,7 @@
           <a:p>
             <a:fld id="{EFF22EFD-1589-774C-B8CD-B5AC818481EA}" type="datetimeFigureOut">
               <a:rPr kumimoji="1" lang="zh-CN" altLang="en-US" smtClean="0"/>
-              <a:t>2023/7/31</a:t>
+              <a:t>2023/8/24</a:t>
             </a:fld>
             <a:endParaRPr kumimoji="1" lang="zh-CN" altLang="en-US"/>
           </a:p>
@@ -461,13 +423,7 @@
       </p:sp>
       <p:sp>
         <p:nvSpPr>
-          <p:cNvPr id="5" name="页脚占位符 4">
-            <a:extLst>
-              <a:ext uri="{FF2B5EF4-FFF2-40B4-BE49-F238E27FC236}">
-                <a16:creationId xmlns:a16="http://schemas.microsoft.com/office/drawing/2014/main" id="{ABDC2F1B-4C02-B126-379A-C201D4562539}"/>
-              </a:ext>
-            </a:extLst>
-          </p:cNvPr>
+          <p:cNvPr id="5" name="Footer Placeholder 4"/>
           <p:cNvSpPr>
             <a:spLocks noGrp="1"/>
           </p:cNvSpPr>
@@ -486,13 +442,7 @@
       </p:sp>
       <p:sp>
         <p:nvSpPr>
-          <p:cNvPr id="6" name="灯片编号占位符 5">
-            <a:extLst>
-              <a:ext uri="{FF2B5EF4-FFF2-40B4-BE49-F238E27FC236}">
-                <a16:creationId xmlns:a16="http://schemas.microsoft.com/office/drawing/2014/main" id="{695B8E65-A3E7-7801-5641-58642A92DA60}"/>
-              </a:ext>
-            </a:extLst>
-          </p:cNvPr>
+          <p:cNvPr id="6" name="Slide Number Placeholder 5"/>
           <p:cNvSpPr>
             <a:spLocks noGrp="1"/>
           </p:cNvSpPr>
@@ -516,7 +466,7 @@
     </p:spTree>
     <p:extLst>
       <p:ext uri="{BB962C8B-B14F-4D97-AF65-F5344CB8AC3E}">
-        <p14:creationId xmlns:p14="http://schemas.microsoft.com/office/powerpoint/2010/main" val="1360633536"/>
+        <p14:creationId xmlns:p14="http://schemas.microsoft.com/office/powerpoint/2010/main" val="1677919765"/>
       </p:ext>
     </p:extLst>
   </p:cSld>
@@ -545,13 +495,7 @@
       </p:grpSpPr>
       <p:sp>
         <p:nvSpPr>
-          <p:cNvPr id="2" name="竖排标题 1">
-            <a:extLst>
-              <a:ext uri="{FF2B5EF4-FFF2-40B4-BE49-F238E27FC236}">
-                <a16:creationId xmlns:a16="http://schemas.microsoft.com/office/drawing/2014/main" id="{A4AFB877-466B-9E39-1AEA-564B3F81F04F}"/>
-              </a:ext>
-            </a:extLst>
-          </p:cNvPr>
+          <p:cNvPr id="2" name="Vertical Title 1"/>
           <p:cNvSpPr>
             <a:spLocks noGrp="1"/>
           </p:cNvSpPr>
@@ -561,8 +505,8 @@
         </p:nvSpPr>
         <p:spPr>
           <a:xfrm>
-            <a:off x="8724900" y="365125"/>
-            <a:ext cx="2628900" cy="5811838"/>
+            <a:off x="3681954" y="486833"/>
+            <a:ext cx="1109410" cy="7749117"/>
           </a:xfrm>
         </p:spPr>
         <p:txBody>
@@ -570,21 +514,16 @@
           <a:lstStyle/>
           <a:p>
             <a:r>
-              <a:rPr kumimoji="1" lang="zh-CN" altLang="en-US"/>
+              <a:rPr lang="zh-CN" altLang="en-US"/>
               <a:t>单击此处编辑母版标题样式</a:t>
             </a:r>
-          </a:p>
-        </p:txBody>
-      </p:sp>
-      <p:sp>
-        <p:nvSpPr>
-          <p:cNvPr id="3" name="竖排文字占位符 2">
-            <a:extLst>
-              <a:ext uri="{FF2B5EF4-FFF2-40B4-BE49-F238E27FC236}">
-                <a16:creationId xmlns:a16="http://schemas.microsoft.com/office/drawing/2014/main" id="{F4ADDF70-8710-7D37-48BC-CE10BB42F22B}"/>
-              </a:ext>
-            </a:extLst>
-          </p:cNvPr>
+            <a:endParaRPr lang="en-US" dirty="0"/>
+          </a:p>
+        </p:txBody>
+      </p:sp>
+      <p:sp>
+        <p:nvSpPr>
+          <p:cNvPr id="3" name="Vertical Text Placeholder 2"/>
           <p:cNvSpPr>
             <a:spLocks noGrp="1"/>
           </p:cNvSpPr>
@@ -594,8 +533,8 @@
         </p:nvSpPr>
         <p:spPr>
           <a:xfrm>
-            <a:off x="838200" y="365125"/>
-            <a:ext cx="7734300" cy="5811838"/>
+            <a:off x="353725" y="486833"/>
+            <a:ext cx="3263915" cy="7749117"/>
           </a:xfrm>
         </p:spPr>
         <p:txBody>
@@ -604,49 +543,44 @@
           <a:p>
             <a:pPr lvl="0"/>
             <a:r>
-              <a:rPr kumimoji="1" lang="zh-CN" altLang="en-US"/>
+              <a:rPr lang="zh-CN" altLang="en-US"/>
               <a:t>单击此处编辑母版文本样式</a:t>
             </a:r>
           </a:p>
           <a:p>
             <a:pPr lvl="1"/>
             <a:r>
-              <a:rPr kumimoji="1" lang="zh-CN" altLang="en-US"/>
+              <a:rPr lang="zh-CN" altLang="en-US"/>
               <a:t>二级</a:t>
             </a:r>
           </a:p>
           <a:p>
             <a:pPr lvl="2"/>
             <a:r>
-              <a:rPr kumimoji="1" lang="zh-CN" altLang="en-US"/>
+              <a:rPr lang="zh-CN" altLang="en-US"/>
               <a:t>三级</a:t>
             </a:r>
           </a:p>
           <a:p>
             <a:pPr lvl="3"/>
             <a:r>
-              <a:rPr kumimoji="1" lang="zh-CN" altLang="en-US"/>
+              <a:rPr lang="zh-CN" altLang="en-US"/>
               <a:t>四级</a:t>
             </a:r>
           </a:p>
           <a:p>
             <a:pPr lvl="4"/>
             <a:r>
-              <a:rPr kumimoji="1" lang="zh-CN" altLang="en-US"/>
+              <a:rPr lang="zh-CN" altLang="en-US"/>
               <a:t>五级</a:t>
             </a:r>
-          </a:p>
-        </p:txBody>
-      </p:sp>
-      <p:sp>
-        <p:nvSpPr>
-          <p:cNvPr id="4" name="日期占位符 3">
-            <a:extLst>
-              <a:ext uri="{FF2B5EF4-FFF2-40B4-BE49-F238E27FC236}">
-                <a16:creationId xmlns:a16="http://schemas.microsoft.com/office/drawing/2014/main" id="{B9AD4031-BBB1-D094-650B-A9819EBD466D}"/>
-              </a:ext>
-            </a:extLst>
-          </p:cNvPr>
+            <a:endParaRPr lang="en-US" dirty="0"/>
+          </a:p>
+        </p:txBody>
+      </p:sp>
+      <p:sp>
+        <p:nvSpPr>
+          <p:cNvPr id="4" name="Date Placeholder 3"/>
           <p:cNvSpPr>
             <a:spLocks noGrp="1"/>
           </p:cNvSpPr>
@@ -661,7 +595,7 @@
           <a:p>
             <a:fld id="{EFF22EFD-1589-774C-B8CD-B5AC818481EA}" type="datetimeFigureOut">
               <a:rPr kumimoji="1" lang="zh-CN" altLang="en-US" smtClean="0"/>
-              <a:t>2023/7/31</a:t>
+              <a:t>2023/8/24</a:t>
             </a:fld>
             <a:endParaRPr kumimoji="1" lang="zh-CN" altLang="en-US"/>
           </a:p>
@@ -669,13 +603,7 @@
       </p:sp>
       <p:sp>
         <p:nvSpPr>
-          <p:cNvPr id="5" name="页脚占位符 4">
-            <a:extLst>
-              <a:ext uri="{FF2B5EF4-FFF2-40B4-BE49-F238E27FC236}">
-                <a16:creationId xmlns:a16="http://schemas.microsoft.com/office/drawing/2014/main" id="{E0E79B4C-495F-09AD-B619-E2C9EEAF721D}"/>
-              </a:ext>
-            </a:extLst>
-          </p:cNvPr>
+          <p:cNvPr id="5" name="Footer Placeholder 4"/>
           <p:cNvSpPr>
             <a:spLocks noGrp="1"/>
           </p:cNvSpPr>
@@ -694,13 +622,7 @@
       </p:sp>
       <p:sp>
         <p:nvSpPr>
-          <p:cNvPr id="6" name="灯片编号占位符 5">
-            <a:extLst>
-              <a:ext uri="{FF2B5EF4-FFF2-40B4-BE49-F238E27FC236}">
-                <a16:creationId xmlns:a16="http://schemas.microsoft.com/office/drawing/2014/main" id="{362E3E6C-B366-8F75-0008-0C08FDEB66EF}"/>
-              </a:ext>
-            </a:extLst>
-          </p:cNvPr>
+          <p:cNvPr id="6" name="Slide Number Placeholder 5"/>
           <p:cNvSpPr>
             <a:spLocks noGrp="1"/>
           </p:cNvSpPr>
@@ -724,7 +646,7 @@
     </p:spTree>
     <p:extLst>
       <p:ext uri="{BB962C8B-B14F-4D97-AF65-F5344CB8AC3E}">
-        <p14:creationId xmlns:p14="http://schemas.microsoft.com/office/powerpoint/2010/main" val="3606324495"/>
+        <p14:creationId xmlns:p14="http://schemas.microsoft.com/office/powerpoint/2010/main" val="1861240007"/>
       </p:ext>
     </p:extLst>
   </p:cSld>
@@ -753,13 +675,7 @@
       </p:grpSpPr>
       <p:sp>
         <p:nvSpPr>
-          <p:cNvPr id="2" name="标题 1">
-            <a:extLst>
-              <a:ext uri="{FF2B5EF4-FFF2-40B4-BE49-F238E27FC236}">
-                <a16:creationId xmlns:a16="http://schemas.microsoft.com/office/drawing/2014/main" id="{D05DDE7C-7890-7E18-50DA-6ACF28335584}"/>
-              </a:ext>
-            </a:extLst>
-          </p:cNvPr>
+          <p:cNvPr id="2" name="Title 1"/>
           <p:cNvSpPr>
             <a:spLocks noGrp="1"/>
           </p:cNvSpPr>
@@ -773,21 +689,16 @@
           <a:lstStyle/>
           <a:p>
             <a:r>
-              <a:rPr kumimoji="1" lang="zh-CN" altLang="en-US"/>
+              <a:rPr lang="zh-CN" altLang="en-US"/>
               <a:t>单击此处编辑母版标题样式</a:t>
             </a:r>
-          </a:p>
-        </p:txBody>
-      </p:sp>
-      <p:sp>
-        <p:nvSpPr>
-          <p:cNvPr id="3" name="内容占位符 2">
-            <a:extLst>
-              <a:ext uri="{FF2B5EF4-FFF2-40B4-BE49-F238E27FC236}">
-                <a16:creationId xmlns:a16="http://schemas.microsoft.com/office/drawing/2014/main" id="{9BC1E02F-C458-D66F-F315-835B25697D69}"/>
-              </a:ext>
-            </a:extLst>
-          </p:cNvPr>
+            <a:endParaRPr lang="en-US" dirty="0"/>
+          </a:p>
+        </p:txBody>
+      </p:sp>
+      <p:sp>
+        <p:nvSpPr>
+          <p:cNvPr id="3" name="Content Placeholder 2"/>
           <p:cNvSpPr>
             <a:spLocks noGrp="1"/>
           </p:cNvSpPr>
@@ -802,49 +713,44 @@
           <a:p>
             <a:pPr lvl="0"/>
             <a:r>
-              <a:rPr kumimoji="1" lang="zh-CN" altLang="en-US"/>
+              <a:rPr lang="zh-CN" altLang="en-US"/>
               <a:t>单击此处编辑母版文本样式</a:t>
             </a:r>
           </a:p>
           <a:p>
             <a:pPr lvl="1"/>
             <a:r>
-              <a:rPr kumimoji="1" lang="zh-CN" altLang="en-US"/>
+              <a:rPr lang="zh-CN" altLang="en-US"/>
               <a:t>二级</a:t>
             </a:r>
           </a:p>
           <a:p>
             <a:pPr lvl="2"/>
             <a:r>
-              <a:rPr kumimoji="1" lang="zh-CN" altLang="en-US"/>
+              <a:rPr lang="zh-CN" altLang="en-US"/>
               <a:t>三级</a:t>
             </a:r>
           </a:p>
           <a:p>
             <a:pPr lvl="3"/>
             <a:r>
-              <a:rPr kumimoji="1" lang="zh-CN" altLang="en-US"/>
+              <a:rPr lang="zh-CN" altLang="en-US"/>
               <a:t>四级</a:t>
             </a:r>
           </a:p>
           <a:p>
             <a:pPr lvl="4"/>
             <a:r>
-              <a:rPr kumimoji="1" lang="zh-CN" altLang="en-US"/>
+              <a:rPr lang="zh-CN" altLang="en-US"/>
               <a:t>五级</a:t>
             </a:r>
-          </a:p>
-        </p:txBody>
-      </p:sp>
-      <p:sp>
-        <p:nvSpPr>
-          <p:cNvPr id="4" name="日期占位符 3">
-            <a:extLst>
-              <a:ext uri="{FF2B5EF4-FFF2-40B4-BE49-F238E27FC236}">
-                <a16:creationId xmlns:a16="http://schemas.microsoft.com/office/drawing/2014/main" id="{37176F18-D52C-9DB3-8F48-95D282F1716E}"/>
-              </a:ext>
-            </a:extLst>
-          </p:cNvPr>
+            <a:endParaRPr lang="en-US" dirty="0"/>
+          </a:p>
+        </p:txBody>
+      </p:sp>
+      <p:sp>
+        <p:nvSpPr>
+          <p:cNvPr id="4" name="Date Placeholder 3"/>
           <p:cNvSpPr>
             <a:spLocks noGrp="1"/>
           </p:cNvSpPr>
@@ -859,7 +765,7 @@
           <a:p>
             <a:fld id="{EFF22EFD-1589-774C-B8CD-B5AC818481EA}" type="datetimeFigureOut">
               <a:rPr kumimoji="1" lang="zh-CN" altLang="en-US" smtClean="0"/>
-              <a:t>2023/7/31</a:t>
+              <a:t>2023/8/24</a:t>
             </a:fld>
             <a:endParaRPr kumimoji="1" lang="zh-CN" altLang="en-US"/>
           </a:p>
@@ -867,13 +773,7 @@
       </p:sp>
       <p:sp>
         <p:nvSpPr>
-          <p:cNvPr id="5" name="页脚占位符 4">
-            <a:extLst>
-              <a:ext uri="{FF2B5EF4-FFF2-40B4-BE49-F238E27FC236}">
-                <a16:creationId xmlns:a16="http://schemas.microsoft.com/office/drawing/2014/main" id="{20A855CC-B9F4-7EC1-4345-D1F9B1D25D16}"/>
-              </a:ext>
-            </a:extLst>
-          </p:cNvPr>
+          <p:cNvPr id="5" name="Footer Placeholder 4"/>
           <p:cNvSpPr>
             <a:spLocks noGrp="1"/>
           </p:cNvSpPr>
@@ -892,13 +792,7 @@
       </p:sp>
       <p:sp>
         <p:nvSpPr>
-          <p:cNvPr id="6" name="灯片编号占位符 5">
-            <a:extLst>
-              <a:ext uri="{FF2B5EF4-FFF2-40B4-BE49-F238E27FC236}">
-                <a16:creationId xmlns:a16="http://schemas.microsoft.com/office/drawing/2014/main" id="{1178F779-6010-E136-721A-104AB1EC6680}"/>
-              </a:ext>
-            </a:extLst>
-          </p:cNvPr>
+          <p:cNvPr id="6" name="Slide Number Placeholder 5"/>
           <p:cNvSpPr>
             <a:spLocks noGrp="1"/>
           </p:cNvSpPr>
@@ -922,7 +816,7 @@
     </p:spTree>
     <p:extLst>
       <p:ext uri="{BB962C8B-B14F-4D97-AF65-F5344CB8AC3E}">
-        <p14:creationId xmlns:p14="http://schemas.microsoft.com/office/powerpoint/2010/main" val="2662769208"/>
+        <p14:creationId xmlns:p14="http://schemas.microsoft.com/office/powerpoint/2010/main" val="3581381169"/>
       </p:ext>
     </p:extLst>
   </p:cSld>
@@ -951,13 +845,7 @@
       </p:grpSpPr>
       <p:sp>
         <p:nvSpPr>
-          <p:cNvPr id="2" name="标题 1">
-            <a:extLst>
-              <a:ext uri="{FF2B5EF4-FFF2-40B4-BE49-F238E27FC236}">
-                <a16:creationId xmlns:a16="http://schemas.microsoft.com/office/drawing/2014/main" id="{9752C16D-4E67-1486-267B-2A23CC7AEB0D}"/>
-              </a:ext>
-            </a:extLst>
-          </p:cNvPr>
+          <p:cNvPr id="2" name="Title 1"/>
           <p:cNvSpPr>
             <a:spLocks noGrp="1"/>
           </p:cNvSpPr>
@@ -967,34 +855,29 @@
         </p:nvSpPr>
         <p:spPr>
           <a:xfrm>
-            <a:off x="831850" y="1709738"/>
-            <a:ext cx="10515600" cy="2852737"/>
+            <a:off x="351046" y="2279653"/>
+            <a:ext cx="4437638" cy="3803649"/>
           </a:xfrm>
         </p:spPr>
         <p:txBody>
           <a:bodyPr anchor="b"/>
           <a:lstStyle>
             <a:lvl1pPr>
-              <a:defRPr sz="6000"/>
+              <a:defRPr sz="3376"/>
             </a:lvl1pPr>
           </a:lstStyle>
           <a:p>
             <a:r>
-              <a:rPr kumimoji="1" lang="zh-CN" altLang="en-US"/>
+              <a:rPr lang="zh-CN" altLang="en-US"/>
               <a:t>单击此处编辑母版标题样式</a:t>
             </a:r>
-          </a:p>
-        </p:txBody>
-      </p:sp>
-      <p:sp>
-        <p:nvSpPr>
-          <p:cNvPr id="3" name="文本占位符 2">
-            <a:extLst>
-              <a:ext uri="{FF2B5EF4-FFF2-40B4-BE49-F238E27FC236}">
-                <a16:creationId xmlns:a16="http://schemas.microsoft.com/office/drawing/2014/main" id="{5BB4F961-7559-DAA6-33C7-C9C85DA99008}"/>
-              </a:ext>
-            </a:extLst>
-          </p:cNvPr>
+            <a:endParaRPr lang="en-US" dirty="0"/>
+          </a:p>
+        </p:txBody>
+      </p:sp>
+      <p:sp>
+        <p:nvSpPr>
+          <p:cNvPr id="3" name="Text Placeholder 2"/>
           <p:cNvSpPr>
             <a:spLocks noGrp="1"/>
           </p:cNvSpPr>
@@ -1004,8 +887,8 @@
         </p:nvSpPr>
         <p:spPr>
           <a:xfrm>
-            <a:off x="831850" y="4589463"/>
-            <a:ext cx="10515600" cy="1500187"/>
+            <a:off x="351046" y="6119286"/>
+            <a:ext cx="4437638" cy="2000249"/>
           </a:xfrm>
         </p:spPr>
         <p:txBody>
@@ -1013,17 +896,15 @@
           <a:lstStyle>
             <a:lvl1pPr marL="0" indent="0">
               <a:buNone/>
-              <a:defRPr sz="2400">
+              <a:defRPr sz="1350">
                 <a:solidFill>
-                  <a:schemeClr val="tx1">
-                    <a:tint val="75000"/>
-                  </a:schemeClr>
+                  <a:schemeClr val="tx1"/>
                 </a:solidFill>
               </a:defRPr>
             </a:lvl1pPr>
-            <a:lvl2pPr marL="457200" indent="0">
-              <a:buNone/>
-              <a:defRPr sz="2000">
+            <a:lvl2pPr marL="257266" indent="0">
+              <a:buNone/>
+              <a:defRPr sz="1125">
                 <a:solidFill>
                   <a:schemeClr val="tx1">
                     <a:tint val="75000"/>
@@ -1031,9 +912,9 @@
                 </a:solidFill>
               </a:defRPr>
             </a:lvl2pPr>
-            <a:lvl3pPr marL="914400" indent="0">
-              <a:buNone/>
-              <a:defRPr sz="1800">
+            <a:lvl3pPr marL="514533" indent="0">
+              <a:buNone/>
+              <a:defRPr sz="1013">
                 <a:solidFill>
                   <a:schemeClr val="tx1">
                     <a:tint val="75000"/>
@@ -1041,9 +922,9 @@
                 </a:solidFill>
               </a:defRPr>
             </a:lvl3pPr>
-            <a:lvl4pPr marL="1371600" indent="0">
-              <a:buNone/>
-              <a:defRPr sz="1600">
+            <a:lvl4pPr marL="771799" indent="0">
+              <a:buNone/>
+              <a:defRPr sz="900">
                 <a:solidFill>
                   <a:schemeClr val="tx1">
                     <a:tint val="75000"/>
@@ -1051,9 +932,9 @@
                 </a:solidFill>
               </a:defRPr>
             </a:lvl4pPr>
-            <a:lvl5pPr marL="1828800" indent="0">
-              <a:buNone/>
-              <a:defRPr sz="1600">
+            <a:lvl5pPr marL="1029066" indent="0">
+              <a:buNone/>
+              <a:defRPr sz="900">
                 <a:solidFill>
                   <a:schemeClr val="tx1">
                     <a:tint val="75000"/>
@@ -1061,9 +942,9 @@
                 </a:solidFill>
               </a:defRPr>
             </a:lvl5pPr>
-            <a:lvl6pPr marL="2286000" indent="0">
-              <a:buNone/>
-              <a:defRPr sz="1600">
+            <a:lvl6pPr marL="1286332" indent="0">
+              <a:buNone/>
+              <a:defRPr sz="900">
                 <a:solidFill>
                   <a:schemeClr val="tx1">
                     <a:tint val="75000"/>
@@ -1071,9 +952,9 @@
                 </a:solidFill>
               </a:defRPr>
             </a:lvl6pPr>
-            <a:lvl7pPr marL="2743200" indent="0">
-              <a:buNone/>
-              <a:defRPr sz="1600">
+            <a:lvl7pPr marL="1543599" indent="0">
+              <a:buNone/>
+              <a:defRPr sz="900">
                 <a:solidFill>
                   <a:schemeClr val="tx1">
                     <a:tint val="75000"/>
@@ -1081,9 +962,9 @@
                 </a:solidFill>
               </a:defRPr>
             </a:lvl7pPr>
-            <a:lvl8pPr marL="3200400" indent="0">
-              <a:buNone/>
-              <a:defRPr sz="1600">
+            <a:lvl8pPr marL="1800865" indent="0">
+              <a:buNone/>
+              <a:defRPr sz="900">
                 <a:solidFill>
                   <a:schemeClr val="tx1">
                     <a:tint val="75000"/>
@@ -1091,9 +972,9 @@
                 </a:solidFill>
               </a:defRPr>
             </a:lvl8pPr>
-            <a:lvl9pPr marL="3657600" indent="0">
-              <a:buNone/>
-              <a:defRPr sz="1600">
+            <a:lvl9pPr marL="2058132" indent="0">
+              <a:buNone/>
+              <a:defRPr sz="900">
                 <a:solidFill>
                   <a:schemeClr val="tx1">
                     <a:tint val="75000"/>
@@ -1105,7 +986,7 @@
           <a:p>
             <a:pPr lvl="0"/>
             <a:r>
-              <a:rPr kumimoji="1" lang="zh-CN" altLang="en-US"/>
+              <a:rPr lang="zh-CN" altLang="en-US"/>
               <a:t>单击此处编辑母版文本样式</a:t>
             </a:r>
           </a:p>
@@ -1113,13 +994,7 @@
       </p:sp>
       <p:sp>
         <p:nvSpPr>
-          <p:cNvPr id="4" name="日期占位符 3">
-            <a:extLst>
-              <a:ext uri="{FF2B5EF4-FFF2-40B4-BE49-F238E27FC236}">
-                <a16:creationId xmlns:a16="http://schemas.microsoft.com/office/drawing/2014/main" id="{0E8C9188-9FB4-585D-A3FE-1AF1F95666B2}"/>
-              </a:ext>
-            </a:extLst>
-          </p:cNvPr>
+          <p:cNvPr id="4" name="Date Placeholder 3"/>
           <p:cNvSpPr>
             <a:spLocks noGrp="1"/>
           </p:cNvSpPr>
@@ -1134,7 +1009,7 @@
           <a:p>
             <a:fld id="{EFF22EFD-1589-774C-B8CD-B5AC818481EA}" type="datetimeFigureOut">
               <a:rPr kumimoji="1" lang="zh-CN" altLang="en-US" smtClean="0"/>
-              <a:t>2023/7/31</a:t>
+              <a:t>2023/8/24</a:t>
             </a:fld>
             <a:endParaRPr kumimoji="1" lang="zh-CN" altLang="en-US"/>
           </a:p>
@@ -1142,13 +1017,7 @@
       </p:sp>
       <p:sp>
         <p:nvSpPr>
-          <p:cNvPr id="5" name="页脚占位符 4">
-            <a:extLst>
-              <a:ext uri="{FF2B5EF4-FFF2-40B4-BE49-F238E27FC236}">
-                <a16:creationId xmlns:a16="http://schemas.microsoft.com/office/drawing/2014/main" id="{367ECE69-96C5-2067-02BA-408A5F41C4DF}"/>
-              </a:ext>
-            </a:extLst>
-          </p:cNvPr>
+          <p:cNvPr id="5" name="Footer Placeholder 4"/>
           <p:cNvSpPr>
             <a:spLocks noGrp="1"/>
           </p:cNvSpPr>
@@ -1167,13 +1036,7 @@
       </p:sp>
       <p:sp>
         <p:nvSpPr>
-          <p:cNvPr id="6" name="灯片编号占位符 5">
-            <a:extLst>
-              <a:ext uri="{FF2B5EF4-FFF2-40B4-BE49-F238E27FC236}">
-                <a16:creationId xmlns:a16="http://schemas.microsoft.com/office/drawing/2014/main" id="{DCB5F9BF-A3C5-39E2-52D6-56455934606B}"/>
-              </a:ext>
-            </a:extLst>
-          </p:cNvPr>
+          <p:cNvPr id="6" name="Slide Number Placeholder 5"/>
           <p:cNvSpPr>
             <a:spLocks noGrp="1"/>
           </p:cNvSpPr>
@@ -1197,7 +1060,7 @@
     </p:spTree>
     <p:extLst>
       <p:ext uri="{BB962C8B-B14F-4D97-AF65-F5344CB8AC3E}">
-        <p14:creationId xmlns:p14="http://schemas.microsoft.com/office/powerpoint/2010/main" val="1364015746"/>
+        <p14:creationId xmlns:p14="http://schemas.microsoft.com/office/powerpoint/2010/main" val="2005157133"/>
       </p:ext>
     </p:extLst>
   </p:cSld>
@@ -1226,13 +1089,7 @@
       </p:grpSpPr>
       <p:sp>
         <p:nvSpPr>
-          <p:cNvPr id="2" name="标题 1">
-            <a:extLst>
-              <a:ext uri="{FF2B5EF4-FFF2-40B4-BE49-F238E27FC236}">
-                <a16:creationId xmlns:a16="http://schemas.microsoft.com/office/drawing/2014/main" id="{5E27A66C-7060-9354-4947-468FF8CC7649}"/>
-              </a:ext>
-            </a:extLst>
-          </p:cNvPr>
+          <p:cNvPr id="2" name="Title 1"/>
           <p:cNvSpPr>
             <a:spLocks noGrp="1"/>
           </p:cNvSpPr>
@@ -1246,21 +1103,16 @@
           <a:lstStyle/>
           <a:p>
             <a:r>
-              <a:rPr kumimoji="1" lang="zh-CN" altLang="en-US"/>
+              <a:rPr lang="zh-CN" altLang="en-US"/>
               <a:t>单击此处编辑母版标题样式</a:t>
             </a:r>
-          </a:p>
-        </p:txBody>
-      </p:sp>
-      <p:sp>
-        <p:nvSpPr>
-          <p:cNvPr id="3" name="内容占位符 2">
-            <a:extLst>
-              <a:ext uri="{FF2B5EF4-FFF2-40B4-BE49-F238E27FC236}">
-                <a16:creationId xmlns:a16="http://schemas.microsoft.com/office/drawing/2014/main" id="{9C5438CF-3946-142F-967D-1F129F471A8B}"/>
-              </a:ext>
-            </a:extLst>
-          </p:cNvPr>
+            <a:endParaRPr lang="en-US" dirty="0"/>
+          </a:p>
+        </p:txBody>
+      </p:sp>
+      <p:sp>
+        <p:nvSpPr>
+          <p:cNvPr id="3" name="Content Placeholder 2"/>
           <p:cNvSpPr>
             <a:spLocks noGrp="1"/>
           </p:cNvSpPr>
@@ -1270,8 +1122,8 @@
         </p:nvSpPr>
         <p:spPr>
           <a:xfrm>
-            <a:off x="838200" y="1825625"/>
-            <a:ext cx="5181600" cy="4351338"/>
+            <a:off x="353725" y="2434167"/>
+            <a:ext cx="2186662" cy="5801784"/>
           </a:xfrm>
         </p:spPr>
         <p:txBody>
@@ -1280,49 +1132,44 @@
           <a:p>
             <a:pPr lvl="0"/>
             <a:r>
-              <a:rPr kumimoji="1" lang="zh-CN" altLang="en-US"/>
+              <a:rPr lang="zh-CN" altLang="en-US"/>
               <a:t>单击此处编辑母版文本样式</a:t>
             </a:r>
           </a:p>
           <a:p>
             <a:pPr lvl="1"/>
             <a:r>
-              <a:rPr kumimoji="1" lang="zh-CN" altLang="en-US"/>
+              <a:rPr lang="zh-CN" altLang="en-US"/>
               <a:t>二级</a:t>
             </a:r>
           </a:p>
           <a:p>
             <a:pPr lvl="2"/>
             <a:r>
-              <a:rPr kumimoji="1" lang="zh-CN" altLang="en-US"/>
+              <a:rPr lang="zh-CN" altLang="en-US"/>
               <a:t>三级</a:t>
             </a:r>
           </a:p>
           <a:p>
             <a:pPr lvl="3"/>
             <a:r>
-              <a:rPr kumimoji="1" lang="zh-CN" altLang="en-US"/>
+              <a:rPr lang="zh-CN" altLang="en-US"/>
               <a:t>四级</a:t>
             </a:r>
           </a:p>
           <a:p>
             <a:pPr lvl="4"/>
             <a:r>
-              <a:rPr kumimoji="1" lang="zh-CN" altLang="en-US"/>
+              <a:rPr lang="zh-CN" altLang="en-US"/>
               <a:t>五级</a:t>
             </a:r>
-          </a:p>
-        </p:txBody>
-      </p:sp>
-      <p:sp>
-        <p:nvSpPr>
-          <p:cNvPr id="4" name="内容占位符 3">
-            <a:extLst>
-              <a:ext uri="{FF2B5EF4-FFF2-40B4-BE49-F238E27FC236}">
-                <a16:creationId xmlns:a16="http://schemas.microsoft.com/office/drawing/2014/main" id="{907ACF88-217E-2FD5-46B3-7F08420EFA08}"/>
-              </a:ext>
-            </a:extLst>
-          </p:cNvPr>
+            <a:endParaRPr lang="en-US" dirty="0"/>
+          </a:p>
+        </p:txBody>
+      </p:sp>
+      <p:sp>
+        <p:nvSpPr>
+          <p:cNvPr id="4" name="Content Placeholder 3"/>
           <p:cNvSpPr>
             <a:spLocks noGrp="1"/>
           </p:cNvSpPr>
@@ -1332,8 +1179,8 @@
         </p:nvSpPr>
         <p:spPr>
           <a:xfrm>
-            <a:off x="6172200" y="1825625"/>
-            <a:ext cx="5181600" cy="4351338"/>
+            <a:off x="2604701" y="2434167"/>
+            <a:ext cx="2186662" cy="5801784"/>
           </a:xfrm>
         </p:spPr>
         <p:txBody>
@@ -1342,49 +1189,44 @@
           <a:p>
             <a:pPr lvl="0"/>
             <a:r>
-              <a:rPr kumimoji="1" lang="zh-CN" altLang="en-US"/>
+              <a:rPr lang="zh-CN" altLang="en-US"/>
               <a:t>单击此处编辑母版文本样式</a:t>
             </a:r>
           </a:p>
           <a:p>
             <a:pPr lvl="1"/>
             <a:r>
-              <a:rPr kumimoji="1" lang="zh-CN" altLang="en-US"/>
+              <a:rPr lang="zh-CN" altLang="en-US"/>
               <a:t>二级</a:t>
             </a:r>
           </a:p>
           <a:p>
             <a:pPr lvl="2"/>
             <a:r>
-              <a:rPr kumimoji="1" lang="zh-CN" altLang="en-US"/>
+              <a:rPr lang="zh-CN" altLang="en-US"/>
               <a:t>三级</a:t>
             </a:r>
           </a:p>
           <a:p>
             <a:pPr lvl="3"/>
             <a:r>
-              <a:rPr kumimoji="1" lang="zh-CN" altLang="en-US"/>
+              <a:rPr lang="zh-CN" altLang="en-US"/>
               <a:t>四级</a:t>
             </a:r>
           </a:p>
           <a:p>
             <a:pPr lvl="4"/>
             <a:r>
-              <a:rPr kumimoji="1" lang="zh-CN" altLang="en-US"/>
+              <a:rPr lang="zh-CN" altLang="en-US"/>
               <a:t>五级</a:t>
             </a:r>
-          </a:p>
-        </p:txBody>
-      </p:sp>
-      <p:sp>
-        <p:nvSpPr>
-          <p:cNvPr id="5" name="日期占位符 4">
-            <a:extLst>
-              <a:ext uri="{FF2B5EF4-FFF2-40B4-BE49-F238E27FC236}">
-                <a16:creationId xmlns:a16="http://schemas.microsoft.com/office/drawing/2014/main" id="{8E7494DA-AD46-AEED-C9DB-04D81692B066}"/>
-              </a:ext>
-            </a:extLst>
-          </p:cNvPr>
+            <a:endParaRPr lang="en-US" dirty="0"/>
+          </a:p>
+        </p:txBody>
+      </p:sp>
+      <p:sp>
+        <p:nvSpPr>
+          <p:cNvPr id="5" name="Date Placeholder 4"/>
           <p:cNvSpPr>
             <a:spLocks noGrp="1"/>
           </p:cNvSpPr>
@@ -1399,7 +1241,7 @@
           <a:p>
             <a:fld id="{EFF22EFD-1589-774C-B8CD-B5AC818481EA}" type="datetimeFigureOut">
               <a:rPr kumimoji="1" lang="zh-CN" altLang="en-US" smtClean="0"/>
-              <a:t>2023/7/31</a:t>
+              <a:t>2023/8/24</a:t>
             </a:fld>
             <a:endParaRPr kumimoji="1" lang="zh-CN" altLang="en-US"/>
           </a:p>
@@ -1407,13 +1249,7 @@
       </p:sp>
       <p:sp>
         <p:nvSpPr>
-          <p:cNvPr id="6" name="页脚占位符 5">
-            <a:extLst>
-              <a:ext uri="{FF2B5EF4-FFF2-40B4-BE49-F238E27FC236}">
-                <a16:creationId xmlns:a16="http://schemas.microsoft.com/office/drawing/2014/main" id="{65EEDFE2-AF40-70FB-910A-3D094F782A8E}"/>
-              </a:ext>
-            </a:extLst>
-          </p:cNvPr>
+          <p:cNvPr id="6" name="Footer Placeholder 5"/>
           <p:cNvSpPr>
             <a:spLocks noGrp="1"/>
           </p:cNvSpPr>
@@ -1432,13 +1268,7 @@
       </p:sp>
       <p:sp>
         <p:nvSpPr>
-          <p:cNvPr id="7" name="灯片编号占位符 6">
-            <a:extLst>
-              <a:ext uri="{FF2B5EF4-FFF2-40B4-BE49-F238E27FC236}">
-                <a16:creationId xmlns:a16="http://schemas.microsoft.com/office/drawing/2014/main" id="{CFF9DC5D-C50F-D03F-159E-87625870BF1C}"/>
-              </a:ext>
-            </a:extLst>
-          </p:cNvPr>
+          <p:cNvPr id="7" name="Slide Number Placeholder 6"/>
           <p:cNvSpPr>
             <a:spLocks noGrp="1"/>
           </p:cNvSpPr>
@@ -1462,7 +1292,7 @@
     </p:spTree>
     <p:extLst>
       <p:ext uri="{BB962C8B-B14F-4D97-AF65-F5344CB8AC3E}">
-        <p14:creationId xmlns:p14="http://schemas.microsoft.com/office/powerpoint/2010/main" val="3061686269"/>
+        <p14:creationId xmlns:p14="http://schemas.microsoft.com/office/powerpoint/2010/main" val="3598549079"/>
       </p:ext>
     </p:extLst>
   </p:cSld>
@@ -1491,13 +1321,7 @@
       </p:grpSpPr>
       <p:sp>
         <p:nvSpPr>
-          <p:cNvPr id="2" name="标题 1">
-            <a:extLst>
-              <a:ext uri="{FF2B5EF4-FFF2-40B4-BE49-F238E27FC236}">
-                <a16:creationId xmlns:a16="http://schemas.microsoft.com/office/drawing/2014/main" id="{1589AE0E-3EA5-24E0-8B1F-97B5BDD2F53E}"/>
-              </a:ext>
-            </a:extLst>
-          </p:cNvPr>
+          <p:cNvPr id="2" name="Title 1"/>
           <p:cNvSpPr>
             <a:spLocks noGrp="1"/>
           </p:cNvSpPr>
@@ -1507,8 +1331,8 @@
         </p:nvSpPr>
         <p:spPr>
           <a:xfrm>
-            <a:off x="839788" y="365125"/>
-            <a:ext cx="10515600" cy="1325563"/>
+            <a:off x="354395" y="486835"/>
+            <a:ext cx="4437638" cy="1767417"/>
           </a:xfrm>
         </p:spPr>
         <p:txBody>
@@ -1516,21 +1340,16 @@
           <a:lstStyle/>
           <a:p>
             <a:r>
-              <a:rPr kumimoji="1" lang="zh-CN" altLang="en-US"/>
+              <a:rPr lang="zh-CN" altLang="en-US"/>
               <a:t>单击此处编辑母版标题样式</a:t>
             </a:r>
-          </a:p>
-        </p:txBody>
-      </p:sp>
-      <p:sp>
-        <p:nvSpPr>
-          <p:cNvPr id="3" name="文本占位符 2">
-            <a:extLst>
-              <a:ext uri="{FF2B5EF4-FFF2-40B4-BE49-F238E27FC236}">
-                <a16:creationId xmlns:a16="http://schemas.microsoft.com/office/drawing/2014/main" id="{38F37700-0E67-C0C4-D95A-67A6863C734E}"/>
-              </a:ext>
-            </a:extLst>
-          </p:cNvPr>
+            <a:endParaRPr lang="en-US" dirty="0"/>
+          </a:p>
+        </p:txBody>
+      </p:sp>
+      <p:sp>
+        <p:nvSpPr>
+          <p:cNvPr id="3" name="Text Placeholder 2"/>
           <p:cNvSpPr>
             <a:spLocks noGrp="1"/>
           </p:cNvSpPr>
@@ -1540,8 +1359,8 @@
         </p:nvSpPr>
         <p:spPr>
           <a:xfrm>
-            <a:off x="839788" y="1681163"/>
-            <a:ext cx="5157787" cy="823912"/>
+            <a:off x="354396" y="2241551"/>
+            <a:ext cx="2176613" cy="1098549"/>
           </a:xfrm>
         </p:spPr>
         <p:txBody>
@@ -1549,45 +1368,45 @@
           <a:lstStyle>
             <a:lvl1pPr marL="0" indent="0">
               <a:buNone/>
-              <a:defRPr sz="2400" b="1"/>
+              <a:defRPr sz="1350" b="1"/>
             </a:lvl1pPr>
-            <a:lvl2pPr marL="457200" indent="0">
-              <a:buNone/>
-              <a:defRPr sz="2000" b="1"/>
+            <a:lvl2pPr marL="257266" indent="0">
+              <a:buNone/>
+              <a:defRPr sz="1125" b="1"/>
             </a:lvl2pPr>
-            <a:lvl3pPr marL="914400" indent="0">
-              <a:buNone/>
-              <a:defRPr sz="1800" b="1"/>
+            <a:lvl3pPr marL="514533" indent="0">
+              <a:buNone/>
+              <a:defRPr sz="1013" b="1"/>
             </a:lvl3pPr>
-            <a:lvl4pPr marL="1371600" indent="0">
-              <a:buNone/>
-              <a:defRPr sz="1600" b="1"/>
+            <a:lvl4pPr marL="771799" indent="0">
+              <a:buNone/>
+              <a:defRPr sz="900" b="1"/>
             </a:lvl4pPr>
-            <a:lvl5pPr marL="1828800" indent="0">
-              <a:buNone/>
-              <a:defRPr sz="1600" b="1"/>
+            <a:lvl5pPr marL="1029066" indent="0">
+              <a:buNone/>
+              <a:defRPr sz="900" b="1"/>
             </a:lvl5pPr>
-            <a:lvl6pPr marL="2286000" indent="0">
-              <a:buNone/>
-              <a:defRPr sz="1600" b="1"/>
+            <a:lvl6pPr marL="1286332" indent="0">
+              <a:buNone/>
+              <a:defRPr sz="900" b="1"/>
             </a:lvl6pPr>
-            <a:lvl7pPr marL="2743200" indent="0">
-              <a:buNone/>
-              <a:defRPr sz="1600" b="1"/>
+            <a:lvl7pPr marL="1543599" indent="0">
+              <a:buNone/>
+              <a:defRPr sz="900" b="1"/>
             </a:lvl7pPr>
-            <a:lvl8pPr marL="3200400" indent="0">
-              <a:buNone/>
-              <a:defRPr sz="1600" b="1"/>
+            <a:lvl8pPr marL="1800865" indent="0">
+              <a:buNone/>
+              <a:defRPr sz="900" b="1"/>
             </a:lvl8pPr>
-            <a:lvl9pPr marL="3657600" indent="0">
-              <a:buNone/>
-              <a:defRPr sz="1600" b="1"/>
+            <a:lvl9pPr marL="2058132" indent="0">
+              <a:buNone/>
+              <a:defRPr sz="900" b="1"/>
             </a:lvl9pPr>
           </a:lstStyle>
           <a:p>
             <a:pPr lvl="0"/>
             <a:r>
-              <a:rPr kumimoji="1" lang="zh-CN" altLang="en-US"/>
+              <a:rPr lang="zh-CN" altLang="en-US"/>
               <a:t>单击此处编辑母版文本样式</a:t>
             </a:r>
           </a:p>
@@ -1595,13 +1414,7 @@
       </p:sp>
       <p:sp>
         <p:nvSpPr>
-          <p:cNvPr id="4" name="内容占位符 3">
-            <a:extLst>
-              <a:ext uri="{FF2B5EF4-FFF2-40B4-BE49-F238E27FC236}">
-                <a16:creationId xmlns:a16="http://schemas.microsoft.com/office/drawing/2014/main" id="{B16AA80A-1EB4-CC44-9A09-0C9BA3C4DBA3}"/>
-              </a:ext>
-            </a:extLst>
-          </p:cNvPr>
+          <p:cNvPr id="4" name="Content Placeholder 3"/>
           <p:cNvSpPr>
             <a:spLocks noGrp="1"/>
           </p:cNvSpPr>
@@ -1611,8 +1424,8 @@
         </p:nvSpPr>
         <p:spPr>
           <a:xfrm>
-            <a:off x="839788" y="2505075"/>
-            <a:ext cx="5157787" cy="3684588"/>
+            <a:off x="354396" y="3340100"/>
+            <a:ext cx="2176613" cy="4912784"/>
           </a:xfrm>
         </p:spPr>
         <p:txBody>
@@ -1621,49 +1434,44 @@
           <a:p>
             <a:pPr lvl="0"/>
             <a:r>
-              <a:rPr kumimoji="1" lang="zh-CN" altLang="en-US"/>
+              <a:rPr lang="zh-CN" altLang="en-US"/>
               <a:t>单击此处编辑母版文本样式</a:t>
             </a:r>
           </a:p>
           <a:p>
             <a:pPr lvl="1"/>
             <a:r>
-              <a:rPr kumimoji="1" lang="zh-CN" altLang="en-US"/>
+              <a:rPr lang="zh-CN" altLang="en-US"/>
               <a:t>二级</a:t>
             </a:r>
           </a:p>
           <a:p>
             <a:pPr lvl="2"/>
             <a:r>
-              <a:rPr kumimoji="1" lang="zh-CN" altLang="en-US"/>
+              <a:rPr lang="zh-CN" altLang="en-US"/>
               <a:t>三级</a:t>
             </a:r>
           </a:p>
           <a:p>
             <a:pPr lvl="3"/>
             <a:r>
-              <a:rPr kumimoji="1" lang="zh-CN" altLang="en-US"/>
+              <a:rPr lang="zh-CN" altLang="en-US"/>
               <a:t>四级</a:t>
             </a:r>
           </a:p>
           <a:p>
             <a:pPr lvl="4"/>
             <a:r>
-              <a:rPr kumimoji="1" lang="zh-CN" altLang="en-US"/>
+              <a:rPr lang="zh-CN" altLang="en-US"/>
               <a:t>五级</a:t>
             </a:r>
-          </a:p>
-        </p:txBody>
-      </p:sp>
-      <p:sp>
-        <p:nvSpPr>
-          <p:cNvPr id="5" name="文本占位符 4">
-            <a:extLst>
-              <a:ext uri="{FF2B5EF4-FFF2-40B4-BE49-F238E27FC236}">
-                <a16:creationId xmlns:a16="http://schemas.microsoft.com/office/drawing/2014/main" id="{9AF009D0-6BC0-0F75-3A47-65E7206BD257}"/>
-              </a:ext>
-            </a:extLst>
-          </p:cNvPr>
+            <a:endParaRPr lang="en-US" dirty="0"/>
+          </a:p>
+        </p:txBody>
+      </p:sp>
+      <p:sp>
+        <p:nvSpPr>
+          <p:cNvPr id="5" name="Text Placeholder 4"/>
           <p:cNvSpPr>
             <a:spLocks noGrp="1"/>
           </p:cNvSpPr>
@@ -1673,8 +1481,8 @@
         </p:nvSpPr>
         <p:spPr>
           <a:xfrm>
-            <a:off x="6172200" y="1681163"/>
-            <a:ext cx="5183188" cy="823912"/>
+            <a:off x="2604701" y="2241551"/>
+            <a:ext cx="2187333" cy="1098549"/>
           </a:xfrm>
         </p:spPr>
         <p:txBody>
@@ -1682,45 +1490,45 @@
           <a:lstStyle>
             <a:lvl1pPr marL="0" indent="0">
               <a:buNone/>
-              <a:defRPr sz="2400" b="1"/>
+              <a:defRPr sz="1350" b="1"/>
             </a:lvl1pPr>
-            <a:lvl2pPr marL="457200" indent="0">
-              <a:buNone/>
-              <a:defRPr sz="2000" b="1"/>
+            <a:lvl2pPr marL="257266" indent="0">
+              <a:buNone/>
+              <a:defRPr sz="1125" b="1"/>
             </a:lvl2pPr>
-            <a:lvl3pPr marL="914400" indent="0">
-              <a:buNone/>
-              <a:defRPr sz="1800" b="1"/>
+            <a:lvl3pPr marL="514533" indent="0">
+              <a:buNone/>
+              <a:defRPr sz="1013" b="1"/>
             </a:lvl3pPr>
-            <a:lvl4pPr marL="1371600" indent="0">
-              <a:buNone/>
-              <a:defRPr sz="1600" b="1"/>
+            <a:lvl4pPr marL="771799" indent="0">
+              <a:buNone/>
+              <a:defRPr sz="900" b="1"/>
             </a:lvl4pPr>
-            <a:lvl5pPr marL="1828800" indent="0">
-              <a:buNone/>
-              <a:defRPr sz="1600" b="1"/>
+            <a:lvl5pPr marL="1029066" indent="0">
+              <a:buNone/>
+              <a:defRPr sz="900" b="1"/>
             </a:lvl5pPr>
-            <a:lvl6pPr marL="2286000" indent="0">
-              <a:buNone/>
-              <a:defRPr sz="1600" b="1"/>
+            <a:lvl6pPr marL="1286332" indent="0">
+              <a:buNone/>
+              <a:defRPr sz="900" b="1"/>
             </a:lvl6pPr>
-            <a:lvl7pPr marL="2743200" indent="0">
-              <a:buNone/>
-              <a:defRPr sz="1600" b="1"/>
+            <a:lvl7pPr marL="1543599" indent="0">
+              <a:buNone/>
+              <a:defRPr sz="900" b="1"/>
             </a:lvl7pPr>
-            <a:lvl8pPr marL="3200400" indent="0">
-              <a:buNone/>
-              <a:defRPr sz="1600" b="1"/>
+            <a:lvl8pPr marL="1800865" indent="0">
+              <a:buNone/>
+              <a:defRPr sz="900" b="1"/>
             </a:lvl8pPr>
-            <a:lvl9pPr marL="3657600" indent="0">
-              <a:buNone/>
-              <a:defRPr sz="1600" b="1"/>
+            <a:lvl9pPr marL="2058132" indent="0">
+              <a:buNone/>
+              <a:defRPr sz="900" b="1"/>
             </a:lvl9pPr>
           </a:lstStyle>
           <a:p>
             <a:pPr lvl="0"/>
             <a:r>
-              <a:rPr kumimoji="1" lang="zh-CN" altLang="en-US"/>
+              <a:rPr lang="zh-CN" altLang="en-US"/>
               <a:t>单击此处编辑母版文本样式</a:t>
             </a:r>
           </a:p>
@@ -1728,13 +1536,7 @@
       </p:sp>
       <p:sp>
         <p:nvSpPr>
-          <p:cNvPr id="6" name="内容占位符 5">
-            <a:extLst>
-              <a:ext uri="{FF2B5EF4-FFF2-40B4-BE49-F238E27FC236}">
-                <a16:creationId xmlns:a16="http://schemas.microsoft.com/office/drawing/2014/main" id="{AE829745-1F5A-1C67-14A2-7F444F527428}"/>
-              </a:ext>
-            </a:extLst>
-          </p:cNvPr>
+          <p:cNvPr id="6" name="Content Placeholder 5"/>
           <p:cNvSpPr>
             <a:spLocks noGrp="1"/>
           </p:cNvSpPr>
@@ -1744,8 +1546,8 @@
         </p:nvSpPr>
         <p:spPr>
           <a:xfrm>
-            <a:off x="6172200" y="2505075"/>
-            <a:ext cx="5183188" cy="3684588"/>
+            <a:off x="2604701" y="3340100"/>
+            <a:ext cx="2187333" cy="4912784"/>
           </a:xfrm>
         </p:spPr>
         <p:txBody>
@@ -1754,49 +1556,44 @@
           <a:p>
             <a:pPr lvl="0"/>
             <a:r>
-              <a:rPr kumimoji="1" lang="zh-CN" altLang="en-US"/>
+              <a:rPr lang="zh-CN" altLang="en-US"/>
               <a:t>单击此处编辑母版文本样式</a:t>
             </a:r>
           </a:p>
           <a:p>
             <a:pPr lvl="1"/>
             <a:r>
-              <a:rPr kumimoji="1" lang="zh-CN" altLang="en-US"/>
+              <a:rPr lang="zh-CN" altLang="en-US"/>
               <a:t>二级</a:t>
             </a:r>
           </a:p>
           <a:p>
             <a:pPr lvl="2"/>
             <a:r>
-              <a:rPr kumimoji="1" lang="zh-CN" altLang="en-US"/>
+              <a:rPr lang="zh-CN" altLang="en-US"/>
               <a:t>三级</a:t>
             </a:r>
           </a:p>
           <a:p>
             <a:pPr lvl="3"/>
             <a:r>
-              <a:rPr kumimoji="1" lang="zh-CN" altLang="en-US"/>
+              <a:rPr lang="zh-CN" altLang="en-US"/>
               <a:t>四级</a:t>
             </a:r>
           </a:p>
           <a:p>
             <a:pPr lvl="4"/>
             <a:r>
-              <a:rPr kumimoji="1" lang="zh-CN" altLang="en-US"/>
+              <a:rPr lang="zh-CN" altLang="en-US"/>
               <a:t>五级</a:t>
             </a:r>
-          </a:p>
-        </p:txBody>
-      </p:sp>
-      <p:sp>
-        <p:nvSpPr>
-          <p:cNvPr id="7" name="日期占位符 6">
-            <a:extLst>
-              <a:ext uri="{FF2B5EF4-FFF2-40B4-BE49-F238E27FC236}">
-                <a16:creationId xmlns:a16="http://schemas.microsoft.com/office/drawing/2014/main" id="{D779928F-992E-3519-5023-100E0FDCBBB2}"/>
-              </a:ext>
-            </a:extLst>
-          </p:cNvPr>
+            <a:endParaRPr lang="en-US" dirty="0"/>
+          </a:p>
+        </p:txBody>
+      </p:sp>
+      <p:sp>
+        <p:nvSpPr>
+          <p:cNvPr id="7" name="Date Placeholder 6"/>
           <p:cNvSpPr>
             <a:spLocks noGrp="1"/>
           </p:cNvSpPr>
@@ -1811,7 +1608,7 @@
           <a:p>
             <a:fld id="{EFF22EFD-1589-774C-B8CD-B5AC818481EA}" type="datetimeFigureOut">
               <a:rPr kumimoji="1" lang="zh-CN" altLang="en-US" smtClean="0"/>
-              <a:t>2023/7/31</a:t>
+              <a:t>2023/8/24</a:t>
             </a:fld>
             <a:endParaRPr kumimoji="1" lang="zh-CN" altLang="en-US"/>
           </a:p>
@@ -1819,13 +1616,7 @@
       </p:sp>
       <p:sp>
         <p:nvSpPr>
-          <p:cNvPr id="8" name="页脚占位符 7">
-            <a:extLst>
-              <a:ext uri="{FF2B5EF4-FFF2-40B4-BE49-F238E27FC236}">
-                <a16:creationId xmlns:a16="http://schemas.microsoft.com/office/drawing/2014/main" id="{D355600C-4AFE-7BA0-8B49-11B55056683F}"/>
-              </a:ext>
-            </a:extLst>
-          </p:cNvPr>
+          <p:cNvPr id="8" name="Footer Placeholder 7"/>
           <p:cNvSpPr>
             <a:spLocks noGrp="1"/>
           </p:cNvSpPr>
@@ -1844,13 +1635,7 @@
       </p:sp>
       <p:sp>
         <p:nvSpPr>
-          <p:cNvPr id="9" name="灯片编号占位符 8">
-            <a:extLst>
-              <a:ext uri="{FF2B5EF4-FFF2-40B4-BE49-F238E27FC236}">
-                <a16:creationId xmlns:a16="http://schemas.microsoft.com/office/drawing/2014/main" id="{4BD78CC4-D722-EDE2-3CDF-C1C309F9D768}"/>
-              </a:ext>
-            </a:extLst>
-          </p:cNvPr>
+          <p:cNvPr id="9" name="Slide Number Placeholder 8"/>
           <p:cNvSpPr>
             <a:spLocks noGrp="1"/>
           </p:cNvSpPr>
@@ -1874,7 +1659,7 @@
     </p:spTree>
     <p:extLst>
       <p:ext uri="{BB962C8B-B14F-4D97-AF65-F5344CB8AC3E}">
-        <p14:creationId xmlns:p14="http://schemas.microsoft.com/office/powerpoint/2010/main" val="658996069"/>
+        <p14:creationId xmlns:p14="http://schemas.microsoft.com/office/powerpoint/2010/main" val="3726605275"/>
       </p:ext>
     </p:extLst>
   </p:cSld>
@@ -1903,13 +1688,7 @@
       </p:grpSpPr>
       <p:sp>
         <p:nvSpPr>
-          <p:cNvPr id="2" name="标题 1">
-            <a:extLst>
-              <a:ext uri="{FF2B5EF4-FFF2-40B4-BE49-F238E27FC236}">
-                <a16:creationId xmlns:a16="http://schemas.microsoft.com/office/drawing/2014/main" id="{FC734106-5E78-3815-EE81-679618651F67}"/>
-              </a:ext>
-            </a:extLst>
-          </p:cNvPr>
+          <p:cNvPr id="2" name="Title 1"/>
           <p:cNvSpPr>
             <a:spLocks noGrp="1"/>
           </p:cNvSpPr>
@@ -1923,21 +1702,16 @@
           <a:lstStyle/>
           <a:p>
             <a:r>
-              <a:rPr kumimoji="1" lang="zh-CN" altLang="en-US"/>
+              <a:rPr lang="zh-CN" altLang="en-US"/>
               <a:t>单击此处编辑母版标题样式</a:t>
             </a:r>
-          </a:p>
-        </p:txBody>
-      </p:sp>
-      <p:sp>
-        <p:nvSpPr>
-          <p:cNvPr id="3" name="日期占位符 2">
-            <a:extLst>
-              <a:ext uri="{FF2B5EF4-FFF2-40B4-BE49-F238E27FC236}">
-                <a16:creationId xmlns:a16="http://schemas.microsoft.com/office/drawing/2014/main" id="{BFD18BDE-A52F-0F63-9070-B2052AC8CDB3}"/>
-              </a:ext>
-            </a:extLst>
-          </p:cNvPr>
+            <a:endParaRPr lang="en-US" dirty="0"/>
+          </a:p>
+        </p:txBody>
+      </p:sp>
+      <p:sp>
+        <p:nvSpPr>
+          <p:cNvPr id="3" name="Date Placeholder 2"/>
           <p:cNvSpPr>
             <a:spLocks noGrp="1"/>
           </p:cNvSpPr>
@@ -1952,7 +1726,7 @@
           <a:p>
             <a:fld id="{EFF22EFD-1589-774C-B8CD-B5AC818481EA}" type="datetimeFigureOut">
               <a:rPr kumimoji="1" lang="zh-CN" altLang="en-US" smtClean="0"/>
-              <a:t>2023/7/31</a:t>
+              <a:t>2023/8/24</a:t>
             </a:fld>
             <a:endParaRPr kumimoji="1" lang="zh-CN" altLang="en-US"/>
           </a:p>
@@ -1960,13 +1734,7 @@
       </p:sp>
       <p:sp>
         <p:nvSpPr>
-          <p:cNvPr id="4" name="页脚占位符 3">
-            <a:extLst>
-              <a:ext uri="{FF2B5EF4-FFF2-40B4-BE49-F238E27FC236}">
-                <a16:creationId xmlns:a16="http://schemas.microsoft.com/office/drawing/2014/main" id="{44354B8E-D98F-085F-A641-EE5511A7B7C5}"/>
-              </a:ext>
-            </a:extLst>
-          </p:cNvPr>
+          <p:cNvPr id="4" name="Footer Placeholder 3"/>
           <p:cNvSpPr>
             <a:spLocks noGrp="1"/>
           </p:cNvSpPr>
@@ -1985,13 +1753,7 @@
       </p:sp>
       <p:sp>
         <p:nvSpPr>
-          <p:cNvPr id="5" name="灯片编号占位符 4">
-            <a:extLst>
-              <a:ext uri="{FF2B5EF4-FFF2-40B4-BE49-F238E27FC236}">
-                <a16:creationId xmlns:a16="http://schemas.microsoft.com/office/drawing/2014/main" id="{CB5E7EFB-2381-186F-B6F7-5ABC18C7F148}"/>
-              </a:ext>
-            </a:extLst>
-          </p:cNvPr>
+          <p:cNvPr id="5" name="Slide Number Placeholder 4"/>
           <p:cNvSpPr>
             <a:spLocks noGrp="1"/>
           </p:cNvSpPr>
@@ -2015,7 +1777,7 @@
     </p:spTree>
     <p:extLst>
       <p:ext uri="{BB962C8B-B14F-4D97-AF65-F5344CB8AC3E}">
-        <p14:creationId xmlns:p14="http://schemas.microsoft.com/office/powerpoint/2010/main" val="1793807152"/>
+        <p14:creationId xmlns:p14="http://schemas.microsoft.com/office/powerpoint/2010/main" val="2982893741"/>
       </p:ext>
     </p:extLst>
   </p:cSld>
@@ -2044,13 +1806,7 @@
       </p:grpSpPr>
       <p:sp>
         <p:nvSpPr>
-          <p:cNvPr id="2" name="日期占位符 1">
-            <a:extLst>
-              <a:ext uri="{FF2B5EF4-FFF2-40B4-BE49-F238E27FC236}">
-                <a16:creationId xmlns:a16="http://schemas.microsoft.com/office/drawing/2014/main" id="{BAD80926-1D9F-F534-527D-71F4E43C312B}"/>
-              </a:ext>
-            </a:extLst>
-          </p:cNvPr>
+          <p:cNvPr id="2" name="Date Placeholder 1"/>
           <p:cNvSpPr>
             <a:spLocks noGrp="1"/>
           </p:cNvSpPr>
@@ -2065,7 +1821,7 @@
           <a:p>
             <a:fld id="{EFF22EFD-1589-774C-B8CD-B5AC818481EA}" type="datetimeFigureOut">
               <a:rPr kumimoji="1" lang="zh-CN" altLang="en-US" smtClean="0"/>
-              <a:t>2023/7/31</a:t>
+              <a:t>2023/8/24</a:t>
             </a:fld>
             <a:endParaRPr kumimoji="1" lang="zh-CN" altLang="en-US"/>
           </a:p>
@@ -2073,13 +1829,7 @@
       </p:sp>
       <p:sp>
         <p:nvSpPr>
-          <p:cNvPr id="3" name="页脚占位符 2">
-            <a:extLst>
-              <a:ext uri="{FF2B5EF4-FFF2-40B4-BE49-F238E27FC236}">
-                <a16:creationId xmlns:a16="http://schemas.microsoft.com/office/drawing/2014/main" id="{E2F860A6-63F5-0CE8-3FBC-2E6B7F9B37F3}"/>
-              </a:ext>
-            </a:extLst>
-          </p:cNvPr>
+          <p:cNvPr id="3" name="Footer Placeholder 2"/>
           <p:cNvSpPr>
             <a:spLocks noGrp="1"/>
           </p:cNvSpPr>
@@ -2098,13 +1848,7 @@
       </p:sp>
       <p:sp>
         <p:nvSpPr>
-          <p:cNvPr id="4" name="灯片编号占位符 3">
-            <a:extLst>
-              <a:ext uri="{FF2B5EF4-FFF2-40B4-BE49-F238E27FC236}">
-                <a16:creationId xmlns:a16="http://schemas.microsoft.com/office/drawing/2014/main" id="{AA5CC76B-303E-356F-B7FB-A014D504B154}"/>
-              </a:ext>
-            </a:extLst>
-          </p:cNvPr>
+          <p:cNvPr id="4" name="Slide Number Placeholder 3"/>
           <p:cNvSpPr>
             <a:spLocks noGrp="1"/>
           </p:cNvSpPr>
@@ -2128,7 +1872,7 @@
     </p:spTree>
     <p:extLst>
       <p:ext uri="{BB962C8B-B14F-4D97-AF65-F5344CB8AC3E}">
-        <p14:creationId xmlns:p14="http://schemas.microsoft.com/office/powerpoint/2010/main" val="1998472169"/>
+        <p14:creationId xmlns:p14="http://schemas.microsoft.com/office/powerpoint/2010/main" val="1543311022"/>
       </p:ext>
     </p:extLst>
   </p:cSld>
@@ -2157,13 +1901,7 @@
       </p:grpSpPr>
       <p:sp>
         <p:nvSpPr>
-          <p:cNvPr id="2" name="标题 1">
-            <a:extLst>
-              <a:ext uri="{FF2B5EF4-FFF2-40B4-BE49-F238E27FC236}">
-                <a16:creationId xmlns:a16="http://schemas.microsoft.com/office/drawing/2014/main" id="{22160E0F-4236-86BB-42CC-BF955FEA9A66}"/>
-              </a:ext>
-            </a:extLst>
-          </p:cNvPr>
+          <p:cNvPr id="2" name="Title 1"/>
           <p:cNvSpPr>
             <a:spLocks noGrp="1"/>
           </p:cNvSpPr>
@@ -2173,34 +1911,29 @@
         </p:nvSpPr>
         <p:spPr>
           <a:xfrm>
-            <a:off x="839788" y="457200"/>
-            <a:ext cx="3932237" cy="1600200"/>
+            <a:off x="354395" y="609600"/>
+            <a:ext cx="1659425" cy="2133600"/>
           </a:xfrm>
         </p:spPr>
         <p:txBody>
           <a:bodyPr anchor="b"/>
           <a:lstStyle>
             <a:lvl1pPr>
-              <a:defRPr sz="3200"/>
+              <a:defRPr sz="1801"/>
             </a:lvl1pPr>
           </a:lstStyle>
           <a:p>
             <a:r>
-              <a:rPr kumimoji="1" lang="zh-CN" altLang="en-US"/>
+              <a:rPr lang="zh-CN" altLang="en-US"/>
               <a:t>单击此处编辑母版标题样式</a:t>
             </a:r>
-          </a:p>
-        </p:txBody>
-      </p:sp>
-      <p:sp>
-        <p:nvSpPr>
-          <p:cNvPr id="3" name="内容占位符 2">
-            <a:extLst>
-              <a:ext uri="{FF2B5EF4-FFF2-40B4-BE49-F238E27FC236}">
-                <a16:creationId xmlns:a16="http://schemas.microsoft.com/office/drawing/2014/main" id="{DF3200C1-F273-8EDF-3D62-8AD7EC38859B}"/>
-              </a:ext>
-            </a:extLst>
-          </p:cNvPr>
+            <a:endParaRPr lang="en-US" dirty="0"/>
+          </a:p>
+        </p:txBody>
+      </p:sp>
+      <p:sp>
+        <p:nvSpPr>
+          <p:cNvPr id="3" name="Content Placeholder 2"/>
           <p:cNvSpPr>
             <a:spLocks noGrp="1"/>
           </p:cNvSpPr>
@@ -2210,87 +1943,82 @@
         </p:nvSpPr>
         <p:spPr>
           <a:xfrm>
-            <a:off x="5183188" y="987425"/>
-            <a:ext cx="6172200" cy="4873625"/>
+            <a:off x="2187332" y="1316568"/>
+            <a:ext cx="2604701" cy="6498167"/>
           </a:xfrm>
         </p:spPr>
         <p:txBody>
           <a:bodyPr/>
           <a:lstStyle>
             <a:lvl1pPr>
-              <a:defRPr sz="3200"/>
+              <a:defRPr sz="1801"/>
             </a:lvl1pPr>
             <a:lvl2pPr>
-              <a:defRPr sz="2800"/>
+              <a:defRPr sz="1576"/>
             </a:lvl2pPr>
             <a:lvl3pPr>
-              <a:defRPr sz="2400"/>
+              <a:defRPr sz="1350"/>
             </a:lvl3pPr>
             <a:lvl4pPr>
-              <a:defRPr sz="2000"/>
+              <a:defRPr sz="1125"/>
             </a:lvl4pPr>
             <a:lvl5pPr>
-              <a:defRPr sz="2000"/>
+              <a:defRPr sz="1125"/>
             </a:lvl5pPr>
             <a:lvl6pPr>
-              <a:defRPr sz="2000"/>
+              <a:defRPr sz="1125"/>
             </a:lvl6pPr>
             <a:lvl7pPr>
-              <a:defRPr sz="2000"/>
+              <a:defRPr sz="1125"/>
             </a:lvl7pPr>
             <a:lvl8pPr>
-              <a:defRPr sz="2000"/>
+              <a:defRPr sz="1125"/>
             </a:lvl8pPr>
             <a:lvl9pPr>
-              <a:defRPr sz="2000"/>
+              <a:defRPr sz="1125"/>
             </a:lvl9pPr>
           </a:lstStyle>
           <a:p>
             <a:pPr lvl="0"/>
             <a:r>
-              <a:rPr kumimoji="1" lang="zh-CN" altLang="en-US"/>
+              <a:rPr lang="zh-CN" altLang="en-US"/>
               <a:t>单击此处编辑母版文本样式</a:t>
             </a:r>
           </a:p>
           <a:p>
             <a:pPr lvl="1"/>
             <a:r>
-              <a:rPr kumimoji="1" lang="zh-CN" altLang="en-US"/>
+              <a:rPr lang="zh-CN" altLang="en-US"/>
               <a:t>二级</a:t>
             </a:r>
           </a:p>
           <a:p>
             <a:pPr lvl="2"/>
             <a:r>
-              <a:rPr kumimoji="1" lang="zh-CN" altLang="en-US"/>
+              <a:rPr lang="zh-CN" altLang="en-US"/>
               <a:t>三级</a:t>
             </a:r>
           </a:p>
           <a:p>
             <a:pPr lvl="3"/>
             <a:r>
-              <a:rPr kumimoji="1" lang="zh-CN" altLang="en-US"/>
+              <a:rPr lang="zh-CN" altLang="en-US"/>
               <a:t>四级</a:t>
             </a:r>
           </a:p>
           <a:p>
             <a:pPr lvl="4"/>
             <a:r>
-              <a:rPr kumimoji="1" lang="zh-CN" altLang="en-US"/>
+              <a:rPr lang="zh-CN" altLang="en-US"/>
               <a:t>五级</a:t>
             </a:r>
-          </a:p>
-        </p:txBody>
-      </p:sp>
-      <p:sp>
-        <p:nvSpPr>
-          <p:cNvPr id="4" name="文本占位符 3">
-            <a:extLst>
-              <a:ext uri="{FF2B5EF4-FFF2-40B4-BE49-F238E27FC236}">
-                <a16:creationId xmlns:a16="http://schemas.microsoft.com/office/drawing/2014/main" id="{73318C89-543F-3512-E408-A740735BC9D2}"/>
-              </a:ext>
-            </a:extLst>
-          </p:cNvPr>
+            <a:endParaRPr lang="en-US" dirty="0"/>
+          </a:p>
+        </p:txBody>
+      </p:sp>
+      <p:sp>
+        <p:nvSpPr>
+          <p:cNvPr id="4" name="Text Placeholder 3"/>
           <p:cNvSpPr>
             <a:spLocks noGrp="1"/>
           </p:cNvSpPr>
@@ -2300,8 +2028,8 @@
         </p:nvSpPr>
         <p:spPr>
           <a:xfrm>
-            <a:off x="839788" y="2057400"/>
-            <a:ext cx="3932237" cy="3811588"/>
+            <a:off x="354395" y="2743200"/>
+            <a:ext cx="1659425" cy="5082117"/>
           </a:xfrm>
         </p:spPr>
         <p:txBody>
@@ -2309,45 +2037,45 @@
           <a:lstStyle>
             <a:lvl1pPr marL="0" indent="0">
               <a:buNone/>
-              <a:defRPr sz="1600"/>
+              <a:defRPr sz="900"/>
             </a:lvl1pPr>
-            <a:lvl2pPr marL="457200" indent="0">
-              <a:buNone/>
-              <a:defRPr sz="1400"/>
+            <a:lvl2pPr marL="257266" indent="0">
+              <a:buNone/>
+              <a:defRPr sz="788"/>
             </a:lvl2pPr>
-            <a:lvl3pPr marL="914400" indent="0">
-              <a:buNone/>
-              <a:defRPr sz="1200"/>
+            <a:lvl3pPr marL="514533" indent="0">
+              <a:buNone/>
+              <a:defRPr sz="675"/>
             </a:lvl3pPr>
-            <a:lvl4pPr marL="1371600" indent="0">
-              <a:buNone/>
-              <a:defRPr sz="1000"/>
+            <a:lvl4pPr marL="771799" indent="0">
+              <a:buNone/>
+              <a:defRPr sz="563"/>
             </a:lvl4pPr>
-            <a:lvl5pPr marL="1828800" indent="0">
-              <a:buNone/>
-              <a:defRPr sz="1000"/>
+            <a:lvl5pPr marL="1029066" indent="0">
+              <a:buNone/>
+              <a:defRPr sz="563"/>
             </a:lvl5pPr>
-            <a:lvl6pPr marL="2286000" indent="0">
-              <a:buNone/>
-              <a:defRPr sz="1000"/>
+            <a:lvl6pPr marL="1286332" indent="0">
+              <a:buNone/>
+              <a:defRPr sz="563"/>
             </a:lvl6pPr>
-            <a:lvl7pPr marL="2743200" indent="0">
-              <a:buNone/>
-              <a:defRPr sz="1000"/>
+            <a:lvl7pPr marL="1543599" indent="0">
+              <a:buNone/>
+              <a:defRPr sz="563"/>
             </a:lvl7pPr>
-            <a:lvl8pPr marL="3200400" indent="0">
-              <a:buNone/>
-              <a:defRPr sz="1000"/>
+            <a:lvl8pPr marL="1800865" indent="0">
+              <a:buNone/>
+              <a:defRPr sz="563"/>
             </a:lvl8pPr>
-            <a:lvl9pPr marL="3657600" indent="0">
-              <a:buNone/>
-              <a:defRPr sz="1000"/>
+            <a:lvl9pPr marL="2058132" indent="0">
+              <a:buNone/>
+              <a:defRPr sz="563"/>
             </a:lvl9pPr>
           </a:lstStyle>
           <a:p>
             <a:pPr lvl="0"/>
             <a:r>
-              <a:rPr kumimoji="1" lang="zh-CN" altLang="en-US"/>
+              <a:rPr lang="zh-CN" altLang="en-US"/>
               <a:t>单击此处编辑母版文本样式</a:t>
             </a:r>
           </a:p>
@@ -2355,13 +2083,7 @@
       </p:sp>
       <p:sp>
         <p:nvSpPr>
-          <p:cNvPr id="5" name="日期占位符 4">
-            <a:extLst>
-              <a:ext uri="{FF2B5EF4-FFF2-40B4-BE49-F238E27FC236}">
-                <a16:creationId xmlns:a16="http://schemas.microsoft.com/office/drawing/2014/main" id="{EFB25A35-DD29-FE81-41CF-905ACC9C9322}"/>
-              </a:ext>
-            </a:extLst>
-          </p:cNvPr>
+          <p:cNvPr id="5" name="Date Placeholder 4"/>
           <p:cNvSpPr>
             <a:spLocks noGrp="1"/>
           </p:cNvSpPr>
@@ -2376,7 +2098,7 @@
           <a:p>
             <a:fld id="{EFF22EFD-1589-774C-B8CD-B5AC818481EA}" type="datetimeFigureOut">
               <a:rPr kumimoji="1" lang="zh-CN" altLang="en-US" smtClean="0"/>
-              <a:t>2023/7/31</a:t>
+              <a:t>2023/8/24</a:t>
             </a:fld>
             <a:endParaRPr kumimoji="1" lang="zh-CN" altLang="en-US"/>
           </a:p>
@@ -2384,13 +2106,7 @@
       </p:sp>
       <p:sp>
         <p:nvSpPr>
-          <p:cNvPr id="6" name="页脚占位符 5">
-            <a:extLst>
-              <a:ext uri="{FF2B5EF4-FFF2-40B4-BE49-F238E27FC236}">
-                <a16:creationId xmlns:a16="http://schemas.microsoft.com/office/drawing/2014/main" id="{13D8397D-57EA-349A-C917-8542F4F30D8F}"/>
-              </a:ext>
-            </a:extLst>
-          </p:cNvPr>
+          <p:cNvPr id="6" name="Footer Placeholder 5"/>
           <p:cNvSpPr>
             <a:spLocks noGrp="1"/>
           </p:cNvSpPr>
@@ -2409,13 +2125,7 @@
       </p:sp>
       <p:sp>
         <p:nvSpPr>
-          <p:cNvPr id="7" name="灯片编号占位符 6">
-            <a:extLst>
-              <a:ext uri="{FF2B5EF4-FFF2-40B4-BE49-F238E27FC236}">
-                <a16:creationId xmlns:a16="http://schemas.microsoft.com/office/drawing/2014/main" id="{9EF56C3B-5C58-CEE9-724A-8308B039FA3C}"/>
-              </a:ext>
-            </a:extLst>
-          </p:cNvPr>
+          <p:cNvPr id="7" name="Slide Number Placeholder 6"/>
           <p:cNvSpPr>
             <a:spLocks noGrp="1"/>
           </p:cNvSpPr>
@@ -2439,7 +2149,7 @@
     </p:spTree>
     <p:extLst>
       <p:ext uri="{BB962C8B-B14F-4D97-AF65-F5344CB8AC3E}">
-        <p14:creationId xmlns:p14="http://schemas.microsoft.com/office/powerpoint/2010/main" val="3702184054"/>
+        <p14:creationId xmlns:p14="http://schemas.microsoft.com/office/powerpoint/2010/main" val="2422775664"/>
       </p:ext>
     </p:extLst>
   </p:cSld>
@@ -2468,13 +2178,7 @@
       </p:grpSpPr>
       <p:sp>
         <p:nvSpPr>
-          <p:cNvPr id="2" name="标题 1">
-            <a:extLst>
-              <a:ext uri="{FF2B5EF4-FFF2-40B4-BE49-F238E27FC236}">
-                <a16:creationId xmlns:a16="http://schemas.microsoft.com/office/drawing/2014/main" id="{D4083F00-9B14-D108-A5DF-E9789CF26B31}"/>
-              </a:ext>
-            </a:extLst>
-          </p:cNvPr>
+          <p:cNvPr id="2" name="Title 1"/>
           <p:cNvSpPr>
             <a:spLocks noGrp="1"/>
           </p:cNvSpPr>
@@ -2484,36 +2188,31 @@
         </p:nvSpPr>
         <p:spPr>
           <a:xfrm>
-            <a:off x="839788" y="457200"/>
-            <a:ext cx="3932237" cy="1600200"/>
+            <a:off x="354395" y="609600"/>
+            <a:ext cx="1659425" cy="2133600"/>
           </a:xfrm>
         </p:spPr>
         <p:txBody>
           <a:bodyPr anchor="b"/>
           <a:lstStyle>
             <a:lvl1pPr>
-              <a:defRPr sz="3200"/>
+              <a:defRPr sz="1801"/>
             </a:lvl1pPr>
           </a:lstStyle>
           <a:p>
             <a:r>
-              <a:rPr kumimoji="1" lang="zh-CN" altLang="en-US"/>
+              <a:rPr lang="zh-CN" altLang="en-US"/>
               <a:t>单击此处编辑母版标题样式</a:t>
             </a:r>
-          </a:p>
-        </p:txBody>
-      </p:sp>
-      <p:sp>
-        <p:nvSpPr>
-          <p:cNvPr id="3" name="图片占位符 2">
-            <a:extLst>
-              <a:ext uri="{FF2B5EF4-FFF2-40B4-BE49-F238E27FC236}">
-                <a16:creationId xmlns:a16="http://schemas.microsoft.com/office/drawing/2014/main" id="{97772A62-3AA7-51D7-0B13-F8210259ADED}"/>
-              </a:ext>
-            </a:extLst>
-          </p:cNvPr>
-          <p:cNvSpPr>
-            <a:spLocks noGrp="1"/>
+            <a:endParaRPr lang="en-US" dirty="0"/>
+          </a:p>
+        </p:txBody>
+      </p:sp>
+      <p:sp>
+        <p:nvSpPr>
+          <p:cNvPr id="3" name="Picture Placeholder 2"/>
+          <p:cNvSpPr>
+            <a:spLocks noGrp="1" noChangeAspect="1"/>
           </p:cNvSpPr>
           <p:nvPr>
             <p:ph type="pic" idx="1"/>
@@ -2521,64 +2220,62 @@
         </p:nvSpPr>
         <p:spPr>
           <a:xfrm>
-            <a:off x="5183188" y="987425"/>
-            <a:ext cx="6172200" cy="4873625"/>
+            <a:off x="2187332" y="1316568"/>
+            <a:ext cx="2604701" cy="6498167"/>
           </a:xfrm>
         </p:spPr>
         <p:txBody>
-          <a:bodyPr/>
+          <a:bodyPr anchor="t"/>
           <a:lstStyle>
             <a:lvl1pPr marL="0" indent="0">
               <a:buNone/>
-              <a:defRPr sz="3200"/>
+              <a:defRPr sz="1801"/>
             </a:lvl1pPr>
-            <a:lvl2pPr marL="457200" indent="0">
-              <a:buNone/>
-              <a:defRPr sz="2800"/>
+            <a:lvl2pPr marL="257266" indent="0">
+              <a:buNone/>
+              <a:defRPr sz="1576"/>
             </a:lvl2pPr>
-            <a:lvl3pPr marL="914400" indent="0">
-              <a:buNone/>
-              <a:defRPr sz="2400"/>
+            <a:lvl3pPr marL="514533" indent="0">
+              <a:buNone/>
+              <a:defRPr sz="1350"/>
             </a:lvl3pPr>
-            <a:lvl4pPr marL="1371600" indent="0">
-              <a:buNone/>
-              <a:defRPr sz="2000"/>
+            <a:lvl4pPr marL="771799" indent="0">
+              <a:buNone/>
+              <a:defRPr sz="1125"/>
             </a:lvl4pPr>
-            <a:lvl5pPr marL="1828800" indent="0">
-              <a:buNone/>
-              <a:defRPr sz="2000"/>
+            <a:lvl5pPr marL="1029066" indent="0">
+              <a:buNone/>
+              <a:defRPr sz="1125"/>
             </a:lvl5pPr>
-            <a:lvl6pPr marL="2286000" indent="0">
-              <a:buNone/>
-              <a:defRPr sz="2000"/>
+            <a:lvl6pPr marL="1286332" indent="0">
+              <a:buNone/>
+              <a:defRPr sz="1125"/>
             </a:lvl6pPr>
-            <a:lvl7pPr marL="2743200" indent="0">
-              <a:buNone/>
-              <a:defRPr sz="2000"/>
+            <a:lvl7pPr marL="1543599" indent="0">
+              <a:buNone/>
+              <a:defRPr sz="1125"/>
             </a:lvl7pPr>
-            <a:lvl8pPr marL="3200400" indent="0">
-              <a:buNone/>
-              <a:defRPr sz="2000"/>
+            <a:lvl8pPr marL="1800865" indent="0">
+              <a:buNone/>
+              <a:defRPr sz="1125"/>
             </a:lvl8pPr>
-            <a:lvl9pPr marL="3657600" indent="0">
-              <a:buNone/>
-              <a:defRPr sz="2000"/>
+            <a:lvl9pPr marL="2058132" indent="0">
+              <a:buNone/>
+              <a:defRPr sz="1125"/>
             </a:lvl9pPr>
           </a:lstStyle>
           <a:p>
-            <a:endParaRPr kumimoji="1" lang="zh-CN" altLang="en-US"/>
-          </a:p>
-        </p:txBody>
-      </p:sp>
-      <p:sp>
-        <p:nvSpPr>
-          <p:cNvPr id="4" name="文本占位符 3">
-            <a:extLst>
-              <a:ext uri="{FF2B5EF4-FFF2-40B4-BE49-F238E27FC236}">
-                <a16:creationId xmlns:a16="http://schemas.microsoft.com/office/drawing/2014/main" id="{89EC63F2-955A-AFB9-6744-A7985F401CC1}"/>
-              </a:ext>
-            </a:extLst>
-          </p:cNvPr>
+            <a:r>
+              <a:rPr lang="zh-CN" altLang="en-US"/>
+              <a:t>单击图标添加图片</a:t>
+            </a:r>
+            <a:endParaRPr lang="en-US" dirty="0"/>
+          </a:p>
+        </p:txBody>
+      </p:sp>
+      <p:sp>
+        <p:nvSpPr>
+          <p:cNvPr id="4" name="Text Placeholder 3"/>
           <p:cNvSpPr>
             <a:spLocks noGrp="1"/>
           </p:cNvSpPr>
@@ -2588,8 +2285,8 @@
         </p:nvSpPr>
         <p:spPr>
           <a:xfrm>
-            <a:off x="839788" y="2057400"/>
-            <a:ext cx="3932237" cy="3811588"/>
+            <a:off x="354395" y="2743200"/>
+            <a:ext cx="1659425" cy="5082117"/>
           </a:xfrm>
         </p:spPr>
         <p:txBody>
@@ -2597,45 +2294,45 @@
           <a:lstStyle>
             <a:lvl1pPr marL="0" indent="0">
               <a:buNone/>
-              <a:defRPr sz="1600"/>
+              <a:defRPr sz="900"/>
             </a:lvl1pPr>
-            <a:lvl2pPr marL="457200" indent="0">
-              <a:buNone/>
-              <a:defRPr sz="1400"/>
+            <a:lvl2pPr marL="257266" indent="0">
+              <a:buNone/>
+              <a:defRPr sz="788"/>
             </a:lvl2pPr>
-            <a:lvl3pPr marL="914400" indent="0">
-              <a:buNone/>
-              <a:defRPr sz="1200"/>
+            <a:lvl3pPr marL="514533" indent="0">
+              <a:buNone/>
+              <a:defRPr sz="675"/>
             </a:lvl3pPr>
-            <a:lvl4pPr marL="1371600" indent="0">
-              <a:buNone/>
-              <a:defRPr sz="1000"/>
+            <a:lvl4pPr marL="771799" indent="0">
+              <a:buNone/>
+              <a:defRPr sz="563"/>
             </a:lvl4pPr>
-            <a:lvl5pPr marL="1828800" indent="0">
-              <a:buNone/>
-              <a:defRPr sz="1000"/>
+            <a:lvl5pPr marL="1029066" indent="0">
+              <a:buNone/>
+              <a:defRPr sz="563"/>
             </a:lvl5pPr>
-            <a:lvl6pPr marL="2286000" indent="0">
-              <a:buNone/>
-              <a:defRPr sz="1000"/>
+            <a:lvl6pPr marL="1286332" indent="0">
+              <a:buNone/>
+              <a:defRPr sz="563"/>
             </a:lvl6pPr>
-            <a:lvl7pPr marL="2743200" indent="0">
-              <a:buNone/>
-              <a:defRPr sz="1000"/>
+            <a:lvl7pPr marL="1543599" indent="0">
+              <a:buNone/>
+              <a:defRPr sz="563"/>
             </a:lvl7pPr>
-            <a:lvl8pPr marL="3200400" indent="0">
-              <a:buNone/>
-              <a:defRPr sz="1000"/>
+            <a:lvl8pPr marL="1800865" indent="0">
+              <a:buNone/>
+              <a:defRPr sz="563"/>
             </a:lvl8pPr>
-            <a:lvl9pPr marL="3657600" indent="0">
-              <a:buNone/>
-              <a:defRPr sz="1000"/>
+            <a:lvl9pPr marL="2058132" indent="0">
+              <a:buNone/>
+              <a:defRPr sz="563"/>
             </a:lvl9pPr>
           </a:lstStyle>
           <a:p>
             <a:pPr lvl="0"/>
             <a:r>
-              <a:rPr kumimoji="1" lang="zh-CN" altLang="en-US"/>
+              <a:rPr lang="zh-CN" altLang="en-US"/>
               <a:t>单击此处编辑母版文本样式</a:t>
             </a:r>
           </a:p>
@@ -2643,13 +2340,7 @@
       </p:sp>
       <p:sp>
         <p:nvSpPr>
-          <p:cNvPr id="5" name="日期占位符 4">
-            <a:extLst>
-              <a:ext uri="{FF2B5EF4-FFF2-40B4-BE49-F238E27FC236}">
-                <a16:creationId xmlns:a16="http://schemas.microsoft.com/office/drawing/2014/main" id="{3051FC8E-13AC-ED14-2195-6CAFC4344AEB}"/>
-              </a:ext>
-            </a:extLst>
-          </p:cNvPr>
+          <p:cNvPr id="5" name="Date Placeholder 4"/>
           <p:cNvSpPr>
             <a:spLocks noGrp="1"/>
           </p:cNvSpPr>
@@ -2664,7 +2355,7 @@
           <a:p>
             <a:fld id="{EFF22EFD-1589-774C-B8CD-B5AC818481EA}" type="datetimeFigureOut">
               <a:rPr kumimoji="1" lang="zh-CN" altLang="en-US" smtClean="0"/>
-              <a:t>2023/7/31</a:t>
+              <a:t>2023/8/24</a:t>
             </a:fld>
             <a:endParaRPr kumimoji="1" lang="zh-CN" altLang="en-US"/>
           </a:p>
@@ -2672,13 +2363,7 @@
       </p:sp>
       <p:sp>
         <p:nvSpPr>
-          <p:cNvPr id="6" name="页脚占位符 5">
-            <a:extLst>
-              <a:ext uri="{FF2B5EF4-FFF2-40B4-BE49-F238E27FC236}">
-                <a16:creationId xmlns:a16="http://schemas.microsoft.com/office/drawing/2014/main" id="{485698E7-9009-D04D-6E42-2E0F63016EEE}"/>
-              </a:ext>
-            </a:extLst>
-          </p:cNvPr>
+          <p:cNvPr id="6" name="Footer Placeholder 5"/>
           <p:cNvSpPr>
             <a:spLocks noGrp="1"/>
           </p:cNvSpPr>
@@ -2697,13 +2382,7 @@
       </p:sp>
       <p:sp>
         <p:nvSpPr>
-          <p:cNvPr id="7" name="灯片编号占位符 6">
-            <a:extLst>
-              <a:ext uri="{FF2B5EF4-FFF2-40B4-BE49-F238E27FC236}">
-                <a16:creationId xmlns:a16="http://schemas.microsoft.com/office/drawing/2014/main" id="{AFD6A5B1-7DFB-C3C5-6516-CE19821CDD46}"/>
-              </a:ext>
-            </a:extLst>
-          </p:cNvPr>
+          <p:cNvPr id="7" name="Slide Number Placeholder 6"/>
           <p:cNvSpPr>
             <a:spLocks noGrp="1"/>
           </p:cNvSpPr>
@@ -2727,7 +2406,7 @@
     </p:spTree>
     <p:extLst>
       <p:ext uri="{BB962C8B-B14F-4D97-AF65-F5344CB8AC3E}">
-        <p14:creationId xmlns:p14="http://schemas.microsoft.com/office/powerpoint/2010/main" val="4106128591"/>
+        <p14:creationId xmlns:p14="http://schemas.microsoft.com/office/powerpoint/2010/main" val="1378114725"/>
       </p:ext>
     </p:extLst>
   </p:cSld>
@@ -2761,13 +2440,7 @@
       </p:grpSpPr>
       <p:sp>
         <p:nvSpPr>
-          <p:cNvPr id="2" name="标题占位符 1">
-            <a:extLst>
-              <a:ext uri="{FF2B5EF4-FFF2-40B4-BE49-F238E27FC236}">
-                <a16:creationId xmlns:a16="http://schemas.microsoft.com/office/drawing/2014/main" id="{0C4E118F-EEDE-298E-CFF9-A22DBD2A8459}"/>
-              </a:ext>
-            </a:extLst>
-          </p:cNvPr>
+          <p:cNvPr id="2" name="Title Placeholder 1"/>
           <p:cNvSpPr>
             <a:spLocks noGrp="1"/>
           </p:cNvSpPr>
@@ -2777,8 +2450,8 @@
         </p:nvSpPr>
         <p:spPr>
           <a:xfrm>
-            <a:off x="838200" y="365125"/>
-            <a:ext cx="10515600" cy="1325563"/>
+            <a:off x="353725" y="486835"/>
+            <a:ext cx="4437638" cy="1767417"/>
           </a:xfrm>
           <a:prstGeom prst="rect">
             <a:avLst/>
@@ -2791,21 +2464,16 @@
           <a:lstStyle/>
           <a:p>
             <a:r>
-              <a:rPr kumimoji="1" lang="zh-CN" altLang="en-US"/>
+              <a:rPr lang="zh-CN" altLang="en-US"/>
               <a:t>单击此处编辑母版标题样式</a:t>
             </a:r>
-          </a:p>
-        </p:txBody>
-      </p:sp>
-      <p:sp>
-        <p:nvSpPr>
-          <p:cNvPr id="3" name="文本占位符 2">
-            <a:extLst>
-              <a:ext uri="{FF2B5EF4-FFF2-40B4-BE49-F238E27FC236}">
-                <a16:creationId xmlns:a16="http://schemas.microsoft.com/office/drawing/2014/main" id="{51BB7263-040B-8D07-8088-0E8D76EAAC3C}"/>
-              </a:ext>
-            </a:extLst>
-          </p:cNvPr>
+            <a:endParaRPr lang="en-US" dirty="0"/>
+          </a:p>
+        </p:txBody>
+      </p:sp>
+      <p:sp>
+        <p:nvSpPr>
+          <p:cNvPr id="3" name="Text Placeholder 2"/>
           <p:cNvSpPr>
             <a:spLocks noGrp="1"/>
           </p:cNvSpPr>
@@ -2815,8 +2483,8 @@
         </p:nvSpPr>
         <p:spPr>
           <a:xfrm>
-            <a:off x="838200" y="1825625"/>
-            <a:ext cx="10515600" cy="4351338"/>
+            <a:off x="353725" y="2434167"/>
+            <a:ext cx="4437638" cy="5801784"/>
           </a:xfrm>
           <a:prstGeom prst="rect">
             <a:avLst/>
@@ -2830,49 +2498,44 @@
           <a:p>
             <a:pPr lvl="0"/>
             <a:r>
-              <a:rPr kumimoji="1" lang="zh-CN" altLang="en-US"/>
+              <a:rPr lang="zh-CN" altLang="en-US"/>
               <a:t>单击此处编辑母版文本样式</a:t>
             </a:r>
           </a:p>
           <a:p>
             <a:pPr lvl="1"/>
             <a:r>
-              <a:rPr kumimoji="1" lang="zh-CN" altLang="en-US"/>
+              <a:rPr lang="zh-CN" altLang="en-US"/>
               <a:t>二级</a:t>
             </a:r>
           </a:p>
           <a:p>
             <a:pPr lvl="2"/>
             <a:r>
-              <a:rPr kumimoji="1" lang="zh-CN" altLang="en-US"/>
+              <a:rPr lang="zh-CN" altLang="en-US"/>
               <a:t>三级</a:t>
             </a:r>
           </a:p>
           <a:p>
             <a:pPr lvl="3"/>
             <a:r>
-              <a:rPr kumimoji="1" lang="zh-CN" altLang="en-US"/>
+              <a:rPr lang="zh-CN" altLang="en-US"/>
               <a:t>四级</a:t>
             </a:r>
           </a:p>
           <a:p>
             <a:pPr lvl="4"/>
             <a:r>
-              <a:rPr kumimoji="1" lang="zh-CN" altLang="en-US"/>
+              <a:rPr lang="zh-CN" altLang="en-US"/>
               <a:t>五级</a:t>
             </a:r>
-          </a:p>
-        </p:txBody>
-      </p:sp>
-      <p:sp>
-        <p:nvSpPr>
-          <p:cNvPr id="4" name="日期占位符 3">
-            <a:extLst>
-              <a:ext uri="{FF2B5EF4-FFF2-40B4-BE49-F238E27FC236}">
-                <a16:creationId xmlns:a16="http://schemas.microsoft.com/office/drawing/2014/main" id="{F648D182-5AB2-C4B4-716A-D9B486C26A03}"/>
-              </a:ext>
-            </a:extLst>
-          </p:cNvPr>
+            <a:endParaRPr lang="en-US" dirty="0"/>
+          </a:p>
+        </p:txBody>
+      </p:sp>
+      <p:sp>
+        <p:nvSpPr>
+          <p:cNvPr id="4" name="Date Placeholder 3"/>
           <p:cNvSpPr>
             <a:spLocks noGrp="1"/>
           </p:cNvSpPr>
@@ -2882,8 +2545,8 @@
         </p:nvSpPr>
         <p:spPr>
           <a:xfrm>
-            <a:off x="838200" y="6356350"/>
-            <a:ext cx="2743200" cy="365125"/>
+            <a:off x="353725" y="8475136"/>
+            <a:ext cx="1157645" cy="486833"/>
           </a:xfrm>
           <a:prstGeom prst="rect">
             <a:avLst/>
@@ -2893,7 +2556,7 @@
           <a:bodyPr vert="horz" lIns="91440" tIns="45720" rIns="91440" bIns="45720" rtlCol="0" anchor="ctr"/>
           <a:lstStyle>
             <a:lvl1pPr algn="l">
-              <a:defRPr sz="1200">
+              <a:defRPr sz="675">
                 <a:solidFill>
                   <a:schemeClr val="tx1">
                     <a:tint val="75000"/>
@@ -2905,7 +2568,7 @@
           <a:p>
             <a:fld id="{EFF22EFD-1589-774C-B8CD-B5AC818481EA}" type="datetimeFigureOut">
               <a:rPr kumimoji="1" lang="zh-CN" altLang="en-US" smtClean="0"/>
-              <a:t>2023/7/31</a:t>
+              <a:t>2023/8/24</a:t>
             </a:fld>
             <a:endParaRPr kumimoji="1" lang="zh-CN" altLang="en-US"/>
           </a:p>
@@ -2913,13 +2576,7 @@
       </p:sp>
       <p:sp>
         <p:nvSpPr>
-          <p:cNvPr id="5" name="页脚占位符 4">
-            <a:extLst>
-              <a:ext uri="{FF2B5EF4-FFF2-40B4-BE49-F238E27FC236}">
-                <a16:creationId xmlns:a16="http://schemas.microsoft.com/office/drawing/2014/main" id="{9F0860BD-CB32-A813-9BFD-56FDE10FC7ED}"/>
-              </a:ext>
-            </a:extLst>
-          </p:cNvPr>
+          <p:cNvPr id="5" name="Footer Placeholder 4"/>
           <p:cNvSpPr>
             <a:spLocks noGrp="1"/>
           </p:cNvSpPr>
@@ -2929,8 +2586,8 @@
         </p:nvSpPr>
         <p:spPr>
           <a:xfrm>
-            <a:off x="4038600" y="6356350"/>
-            <a:ext cx="4114800" cy="365125"/>
+            <a:off x="1704311" y="8475136"/>
+            <a:ext cx="1736467" cy="486833"/>
           </a:xfrm>
           <a:prstGeom prst="rect">
             <a:avLst/>
@@ -2940,7 +2597,7 @@
           <a:bodyPr vert="horz" lIns="91440" tIns="45720" rIns="91440" bIns="45720" rtlCol="0" anchor="ctr"/>
           <a:lstStyle>
             <a:lvl1pPr algn="ctr">
-              <a:defRPr sz="1200">
+              <a:defRPr sz="675">
                 <a:solidFill>
                   <a:schemeClr val="tx1">
                     <a:tint val="75000"/>
@@ -2956,13 +2613,7 @@
       </p:sp>
       <p:sp>
         <p:nvSpPr>
-          <p:cNvPr id="6" name="灯片编号占位符 5">
-            <a:extLst>
-              <a:ext uri="{FF2B5EF4-FFF2-40B4-BE49-F238E27FC236}">
-                <a16:creationId xmlns:a16="http://schemas.microsoft.com/office/drawing/2014/main" id="{A3921631-4BD9-D584-7C15-E02F427427FA}"/>
-              </a:ext>
-            </a:extLst>
-          </p:cNvPr>
+          <p:cNvPr id="6" name="Slide Number Placeholder 5"/>
           <p:cNvSpPr>
             <a:spLocks noGrp="1"/>
           </p:cNvSpPr>
@@ -2972,8 +2623,8 @@
         </p:nvSpPr>
         <p:spPr>
           <a:xfrm>
-            <a:off x="8610600" y="6356350"/>
-            <a:ext cx="2743200" cy="365125"/>
+            <a:off x="3633718" y="8475136"/>
+            <a:ext cx="1157645" cy="486833"/>
           </a:xfrm>
           <a:prstGeom prst="rect">
             <a:avLst/>
@@ -2983,7 +2634,7 @@
           <a:bodyPr vert="horz" lIns="91440" tIns="45720" rIns="91440" bIns="45720" rtlCol="0" anchor="ctr"/>
           <a:lstStyle>
             <a:lvl1pPr algn="r">
-              <a:defRPr sz="1200">
+              <a:defRPr sz="675">
                 <a:solidFill>
                   <a:schemeClr val="tx1">
                     <a:tint val="75000"/>
@@ -3004,27 +2655,27 @@
     </p:spTree>
     <p:extLst>
       <p:ext uri="{BB962C8B-B14F-4D97-AF65-F5344CB8AC3E}">
-        <p14:creationId xmlns:p14="http://schemas.microsoft.com/office/powerpoint/2010/main" val="870881777"/>
+        <p14:creationId xmlns:p14="http://schemas.microsoft.com/office/powerpoint/2010/main" val="3368542459"/>
       </p:ext>
     </p:extLst>
   </p:cSld>
   <p:clrMap bg1="lt1" tx1="dk1" bg2="lt2" tx2="dk2" accent1="accent1" accent2="accent2" accent3="accent3" accent4="accent4" accent5="accent5" accent6="accent6" hlink="hlink" folHlink="folHlink"/>
   <p:sldLayoutIdLst>
-    <p:sldLayoutId id="2147483649" r:id="rId1"/>
-    <p:sldLayoutId id="2147483650" r:id="rId2"/>
-    <p:sldLayoutId id="2147483651" r:id="rId3"/>
-    <p:sldLayoutId id="2147483652" r:id="rId4"/>
-    <p:sldLayoutId id="2147483653" r:id="rId5"/>
-    <p:sldLayoutId id="2147483654" r:id="rId6"/>
-    <p:sldLayoutId id="2147483655" r:id="rId7"/>
-    <p:sldLayoutId id="2147483656" r:id="rId8"/>
-    <p:sldLayoutId id="2147483657" r:id="rId9"/>
-    <p:sldLayoutId id="2147483658" r:id="rId10"/>
-    <p:sldLayoutId id="2147483659" r:id="rId11"/>
+    <p:sldLayoutId id="2147483661" r:id="rId1"/>
+    <p:sldLayoutId id="2147483662" r:id="rId2"/>
+    <p:sldLayoutId id="2147483663" r:id="rId3"/>
+    <p:sldLayoutId id="2147483664" r:id="rId4"/>
+    <p:sldLayoutId id="2147483665" r:id="rId5"/>
+    <p:sldLayoutId id="2147483666" r:id="rId6"/>
+    <p:sldLayoutId id="2147483667" r:id="rId7"/>
+    <p:sldLayoutId id="2147483668" r:id="rId8"/>
+    <p:sldLayoutId id="2147483669" r:id="rId9"/>
+    <p:sldLayoutId id="2147483670" r:id="rId10"/>
+    <p:sldLayoutId id="2147483671" r:id="rId11"/>
   </p:sldLayoutIdLst>
   <p:txStyles>
     <p:titleStyle>
-      <a:lvl1pPr algn="l" defTabSz="914400" rtl="0" eaLnBrk="1" latinLnBrk="0" hangingPunct="1">
+      <a:lvl1pPr algn="l" defTabSz="514533" rtl="0" eaLnBrk="1" latinLnBrk="0" hangingPunct="1">
         <a:lnSpc>
           <a:spcPct val="90000"/>
         </a:lnSpc>
@@ -3032,7 +2683,7 @@
           <a:spcPct val="0"/>
         </a:spcBef>
         <a:buNone/>
-        <a:defRPr sz="4400" kern="1200">
+        <a:defRPr sz="2476" kern="1200">
           <a:solidFill>
             <a:schemeClr val="tx1"/>
           </a:solidFill>
@@ -3043,16 +2694,16 @@
       </a:lvl1pPr>
     </p:titleStyle>
     <p:bodyStyle>
-      <a:lvl1pPr marL="228600" indent="-228600" algn="l" defTabSz="914400" rtl="0" eaLnBrk="1" latinLnBrk="0" hangingPunct="1">
+      <a:lvl1pPr marL="128633" indent="-128633" algn="l" defTabSz="514533" rtl="0" eaLnBrk="1" latinLnBrk="0" hangingPunct="1">
         <a:lnSpc>
           <a:spcPct val="90000"/>
         </a:lnSpc>
         <a:spcBef>
-          <a:spcPts val="1000"/>
+          <a:spcPts val="563"/>
         </a:spcBef>
         <a:buFont typeface="Arial" panose="020B0604020202020204" pitchFamily="34" charset="0"/>
         <a:buChar char="•"/>
-        <a:defRPr sz="2800" kern="1200">
+        <a:defRPr sz="1576" kern="1200">
           <a:solidFill>
             <a:schemeClr val="tx1"/>
           </a:solidFill>
@@ -3061,16 +2712,16 @@
           <a:cs typeface="+mn-cs"/>
         </a:defRPr>
       </a:lvl1pPr>
-      <a:lvl2pPr marL="685800" indent="-228600" algn="l" defTabSz="914400" rtl="0" eaLnBrk="1" latinLnBrk="0" hangingPunct="1">
+      <a:lvl2pPr marL="385900" indent="-128633" algn="l" defTabSz="514533" rtl="0" eaLnBrk="1" latinLnBrk="0" hangingPunct="1">
         <a:lnSpc>
           <a:spcPct val="90000"/>
         </a:lnSpc>
         <a:spcBef>
-          <a:spcPts val="500"/>
+          <a:spcPts val="281"/>
         </a:spcBef>
         <a:buFont typeface="Arial" panose="020B0604020202020204" pitchFamily="34" charset="0"/>
         <a:buChar char="•"/>
-        <a:defRPr sz="2400" kern="1200">
+        <a:defRPr sz="1350" kern="1200">
           <a:solidFill>
             <a:schemeClr val="tx1"/>
           </a:solidFill>
@@ -3079,16 +2730,16 @@
           <a:cs typeface="+mn-cs"/>
         </a:defRPr>
       </a:lvl2pPr>
-      <a:lvl3pPr marL="1143000" indent="-228600" algn="l" defTabSz="914400" rtl="0" eaLnBrk="1" latinLnBrk="0" hangingPunct="1">
+      <a:lvl3pPr marL="643166" indent="-128633" algn="l" defTabSz="514533" rtl="0" eaLnBrk="1" latinLnBrk="0" hangingPunct="1">
         <a:lnSpc>
           <a:spcPct val="90000"/>
         </a:lnSpc>
         <a:spcBef>
-          <a:spcPts val="500"/>
+          <a:spcPts val="281"/>
         </a:spcBef>
         <a:buFont typeface="Arial" panose="020B0604020202020204" pitchFamily="34" charset="0"/>
         <a:buChar char="•"/>
-        <a:defRPr sz="2000" kern="1200">
+        <a:defRPr sz="1125" kern="1200">
           <a:solidFill>
             <a:schemeClr val="tx1"/>
           </a:solidFill>
@@ -3097,16 +2748,16 @@
           <a:cs typeface="+mn-cs"/>
         </a:defRPr>
       </a:lvl3pPr>
-      <a:lvl4pPr marL="1600200" indent="-228600" algn="l" defTabSz="914400" rtl="0" eaLnBrk="1" latinLnBrk="0" hangingPunct="1">
+      <a:lvl4pPr marL="900433" indent="-128633" algn="l" defTabSz="514533" rtl="0" eaLnBrk="1" latinLnBrk="0" hangingPunct="1">
         <a:lnSpc>
           <a:spcPct val="90000"/>
         </a:lnSpc>
         <a:spcBef>
-          <a:spcPts val="500"/>
+          <a:spcPts val="281"/>
         </a:spcBef>
         <a:buFont typeface="Arial" panose="020B0604020202020204" pitchFamily="34" charset="0"/>
         <a:buChar char="•"/>
-        <a:defRPr sz="1800" kern="1200">
+        <a:defRPr sz="1013" kern="1200">
           <a:solidFill>
             <a:schemeClr val="tx1"/>
           </a:solidFill>
@@ -3115,16 +2766,16 @@
           <a:cs typeface="+mn-cs"/>
         </a:defRPr>
       </a:lvl4pPr>
-      <a:lvl5pPr marL="2057400" indent="-228600" algn="l" defTabSz="914400" rtl="0" eaLnBrk="1" latinLnBrk="0" hangingPunct="1">
+      <a:lvl5pPr marL="1157699" indent="-128633" algn="l" defTabSz="514533" rtl="0" eaLnBrk="1" latinLnBrk="0" hangingPunct="1">
         <a:lnSpc>
           <a:spcPct val="90000"/>
         </a:lnSpc>
         <a:spcBef>
-          <a:spcPts val="500"/>
+          <a:spcPts val="281"/>
         </a:spcBef>
         <a:buFont typeface="Arial" panose="020B0604020202020204" pitchFamily="34" charset="0"/>
         <a:buChar char="•"/>
-        <a:defRPr sz="1800" kern="1200">
+        <a:defRPr sz="1013" kern="1200">
           <a:solidFill>
             <a:schemeClr val="tx1"/>
           </a:solidFill>
@@ -3133,16 +2784,16 @@
           <a:cs typeface="+mn-cs"/>
         </a:defRPr>
       </a:lvl5pPr>
-      <a:lvl6pPr marL="2514600" indent="-228600" algn="l" defTabSz="914400" rtl="0" eaLnBrk="1" latinLnBrk="0" hangingPunct="1">
+      <a:lvl6pPr marL="1414965" indent="-128633" algn="l" defTabSz="514533" rtl="0" eaLnBrk="1" latinLnBrk="0" hangingPunct="1">
         <a:lnSpc>
           <a:spcPct val="90000"/>
         </a:lnSpc>
         <a:spcBef>
-          <a:spcPts val="500"/>
+          <a:spcPts val="281"/>
         </a:spcBef>
         <a:buFont typeface="Arial" panose="020B0604020202020204" pitchFamily="34" charset="0"/>
         <a:buChar char="•"/>
-        <a:defRPr sz="1800" kern="1200">
+        <a:defRPr sz="1013" kern="1200">
           <a:solidFill>
             <a:schemeClr val="tx1"/>
           </a:solidFill>
@@ -3151,16 +2802,16 @@
           <a:cs typeface="+mn-cs"/>
         </a:defRPr>
       </a:lvl6pPr>
-      <a:lvl7pPr marL="2971800" indent="-228600" algn="l" defTabSz="914400" rtl="0" eaLnBrk="1" latinLnBrk="0" hangingPunct="1">
+      <a:lvl7pPr marL="1672232" indent="-128633" algn="l" defTabSz="514533" rtl="0" eaLnBrk="1" latinLnBrk="0" hangingPunct="1">
         <a:lnSpc>
           <a:spcPct val="90000"/>
         </a:lnSpc>
         <a:spcBef>
-          <a:spcPts val="500"/>
+          <a:spcPts val="281"/>
         </a:spcBef>
         <a:buFont typeface="Arial" panose="020B0604020202020204" pitchFamily="34" charset="0"/>
         <a:buChar char="•"/>
-        <a:defRPr sz="1800" kern="1200">
+        <a:defRPr sz="1013" kern="1200">
           <a:solidFill>
             <a:schemeClr val="tx1"/>
           </a:solidFill>
@@ -3169,16 +2820,16 @@
           <a:cs typeface="+mn-cs"/>
         </a:defRPr>
       </a:lvl7pPr>
-      <a:lvl8pPr marL="3429000" indent="-228600" algn="l" defTabSz="914400" rtl="0" eaLnBrk="1" latinLnBrk="0" hangingPunct="1">
+      <a:lvl8pPr marL="1929498" indent="-128633" algn="l" defTabSz="514533" rtl="0" eaLnBrk="1" latinLnBrk="0" hangingPunct="1">
         <a:lnSpc>
           <a:spcPct val="90000"/>
         </a:lnSpc>
         <a:spcBef>
-          <a:spcPts val="500"/>
+          <a:spcPts val="281"/>
         </a:spcBef>
         <a:buFont typeface="Arial" panose="020B0604020202020204" pitchFamily="34" charset="0"/>
         <a:buChar char="•"/>
-        <a:defRPr sz="1800" kern="1200">
+        <a:defRPr sz="1013" kern="1200">
           <a:solidFill>
             <a:schemeClr val="tx1"/>
           </a:solidFill>
@@ -3187,16 +2838,16 @@
           <a:cs typeface="+mn-cs"/>
         </a:defRPr>
       </a:lvl8pPr>
-      <a:lvl9pPr marL="3886200" indent="-228600" algn="l" defTabSz="914400" rtl="0" eaLnBrk="1" latinLnBrk="0" hangingPunct="1">
+      <a:lvl9pPr marL="2186765" indent="-128633" algn="l" defTabSz="514533" rtl="0" eaLnBrk="1" latinLnBrk="0" hangingPunct="1">
         <a:lnSpc>
           <a:spcPct val="90000"/>
         </a:lnSpc>
         <a:spcBef>
-          <a:spcPts val="500"/>
+          <a:spcPts val="281"/>
         </a:spcBef>
         <a:buFont typeface="Arial" panose="020B0604020202020204" pitchFamily="34" charset="0"/>
         <a:buChar char="•"/>
-        <a:defRPr sz="1800" kern="1200">
+        <a:defRPr sz="1013" kern="1200">
           <a:solidFill>
             <a:schemeClr val="tx1"/>
           </a:solidFill>
@@ -3208,10 +2859,10 @@
     </p:bodyStyle>
     <p:otherStyle>
       <a:defPPr>
-        <a:defRPr lang="zh-CN"/>
+        <a:defRPr lang="en-US"/>
       </a:defPPr>
-      <a:lvl1pPr marL="0" algn="l" defTabSz="914400" rtl="0" eaLnBrk="1" latinLnBrk="0" hangingPunct="1">
-        <a:defRPr sz="1800" kern="1200">
+      <a:lvl1pPr marL="0" algn="l" defTabSz="514533" rtl="0" eaLnBrk="1" latinLnBrk="0" hangingPunct="1">
+        <a:defRPr sz="1013" kern="1200">
           <a:solidFill>
             <a:schemeClr val="tx1"/>
           </a:solidFill>
@@ -3220,8 +2871,8 @@
           <a:cs typeface="+mn-cs"/>
         </a:defRPr>
       </a:lvl1pPr>
-      <a:lvl2pPr marL="457200" algn="l" defTabSz="914400" rtl="0" eaLnBrk="1" latinLnBrk="0" hangingPunct="1">
-        <a:defRPr sz="1800" kern="1200">
+      <a:lvl2pPr marL="257266" algn="l" defTabSz="514533" rtl="0" eaLnBrk="1" latinLnBrk="0" hangingPunct="1">
+        <a:defRPr sz="1013" kern="1200">
           <a:solidFill>
             <a:schemeClr val="tx1"/>
           </a:solidFill>
@@ -3230,8 +2881,8 @@
           <a:cs typeface="+mn-cs"/>
         </a:defRPr>
       </a:lvl2pPr>
-      <a:lvl3pPr marL="914400" algn="l" defTabSz="914400" rtl="0" eaLnBrk="1" latinLnBrk="0" hangingPunct="1">
-        <a:defRPr sz="1800" kern="1200">
+      <a:lvl3pPr marL="514533" algn="l" defTabSz="514533" rtl="0" eaLnBrk="1" latinLnBrk="0" hangingPunct="1">
+        <a:defRPr sz="1013" kern="1200">
           <a:solidFill>
             <a:schemeClr val="tx1"/>
           </a:solidFill>
@@ -3240,8 +2891,8 @@
           <a:cs typeface="+mn-cs"/>
         </a:defRPr>
       </a:lvl3pPr>
-      <a:lvl4pPr marL="1371600" algn="l" defTabSz="914400" rtl="0" eaLnBrk="1" latinLnBrk="0" hangingPunct="1">
-        <a:defRPr sz="1800" kern="1200">
+      <a:lvl4pPr marL="771799" algn="l" defTabSz="514533" rtl="0" eaLnBrk="1" latinLnBrk="0" hangingPunct="1">
+        <a:defRPr sz="1013" kern="1200">
           <a:solidFill>
             <a:schemeClr val="tx1"/>
           </a:solidFill>
@@ -3250,8 +2901,8 @@
           <a:cs typeface="+mn-cs"/>
         </a:defRPr>
       </a:lvl4pPr>
-      <a:lvl5pPr marL="1828800" algn="l" defTabSz="914400" rtl="0" eaLnBrk="1" latinLnBrk="0" hangingPunct="1">
-        <a:defRPr sz="1800" kern="1200">
+      <a:lvl5pPr marL="1029066" algn="l" defTabSz="514533" rtl="0" eaLnBrk="1" latinLnBrk="0" hangingPunct="1">
+        <a:defRPr sz="1013" kern="1200">
           <a:solidFill>
             <a:schemeClr val="tx1"/>
           </a:solidFill>
@@ -3260,8 +2911,8 @@
           <a:cs typeface="+mn-cs"/>
         </a:defRPr>
       </a:lvl5pPr>
-      <a:lvl6pPr marL="2286000" algn="l" defTabSz="914400" rtl="0" eaLnBrk="1" latinLnBrk="0" hangingPunct="1">
-        <a:defRPr sz="1800" kern="1200">
+      <a:lvl6pPr marL="1286332" algn="l" defTabSz="514533" rtl="0" eaLnBrk="1" latinLnBrk="0" hangingPunct="1">
+        <a:defRPr sz="1013" kern="1200">
           <a:solidFill>
             <a:schemeClr val="tx1"/>
           </a:solidFill>
@@ -3270,8 +2921,8 @@
           <a:cs typeface="+mn-cs"/>
         </a:defRPr>
       </a:lvl6pPr>
-      <a:lvl7pPr marL="2743200" algn="l" defTabSz="914400" rtl="0" eaLnBrk="1" latinLnBrk="0" hangingPunct="1">
-        <a:defRPr sz="1800" kern="1200">
+      <a:lvl7pPr marL="1543599" algn="l" defTabSz="514533" rtl="0" eaLnBrk="1" latinLnBrk="0" hangingPunct="1">
+        <a:defRPr sz="1013" kern="1200">
           <a:solidFill>
             <a:schemeClr val="tx1"/>
           </a:solidFill>
@@ -3280,8 +2931,8 @@
           <a:cs typeface="+mn-cs"/>
         </a:defRPr>
       </a:lvl7pPr>
-      <a:lvl8pPr marL="3200400" algn="l" defTabSz="914400" rtl="0" eaLnBrk="1" latinLnBrk="0" hangingPunct="1">
-        <a:defRPr sz="1800" kern="1200">
+      <a:lvl8pPr marL="1800865" algn="l" defTabSz="514533" rtl="0" eaLnBrk="1" latinLnBrk="0" hangingPunct="1">
+        <a:defRPr sz="1013" kern="1200">
           <a:solidFill>
             <a:schemeClr val="tx1"/>
           </a:solidFill>
@@ -3290,8 +2941,8 @@
           <a:cs typeface="+mn-cs"/>
         </a:defRPr>
       </a:lvl8pPr>
-      <a:lvl9pPr marL="3657600" algn="l" defTabSz="914400" rtl="0" eaLnBrk="1" latinLnBrk="0" hangingPunct="1">
-        <a:defRPr sz="1800" kern="1200">
+      <a:lvl9pPr marL="2058132" algn="l" defTabSz="514533" rtl="0" eaLnBrk="1" latinLnBrk="0" hangingPunct="1">
+        <a:defRPr sz="1013" kern="1200">
           <a:solidFill>
             <a:schemeClr val="tx1"/>
           </a:solidFill>
@@ -3336,8 +2987,8 @@
         </p:nvSpPr>
         <p:spPr>
           <a:xfrm>
-            <a:off x="2029522" y="2598003"/>
-            <a:ext cx="849784" cy="338554"/>
+            <a:off x="-2849426" y="3464004"/>
+            <a:ext cx="1073692" cy="420564"/>
           </a:xfrm>
           <a:prstGeom prst="rect">
             <a:avLst/>
@@ -3351,7 +3002,7 @@
           <a:lstStyle/>
           <a:p>
             <a:r>
-              <a:rPr kumimoji="1" lang="en-US" altLang="zh-CN" sz="1600" b="1" dirty="0" err="1">
+              <a:rPr kumimoji="1" lang="en-US" altLang="zh-CN" sz="2133" b="1" dirty="0" err="1">
                 <a:solidFill>
                   <a:srgbClr val="FF0049"/>
                 </a:solidFill>
@@ -3360,7 +3011,7 @@
               <a:t>Y</a:t>
             </a:r>
             <a:r>
-              <a:rPr kumimoji="1" lang="en-US" altLang="zh-CN" sz="1600" b="1" dirty="0" err="1">
+              <a:rPr kumimoji="1" lang="en-US" altLang="zh-CN" sz="2133" b="1" dirty="0" err="1">
                 <a:solidFill>
                   <a:schemeClr val="bg1"/>
                 </a:solidFill>
@@ -3369,7 +3020,7 @@
               <a:t>uhan</a:t>
             </a:r>
             <a:r>
-              <a:rPr kumimoji="1" lang="en-US" altLang="zh-CN" sz="1600" b="1" dirty="0">
+              <a:rPr kumimoji="1" lang="en-US" altLang="zh-CN" sz="2133" b="1" dirty="0">
                 <a:solidFill>
                   <a:schemeClr val="bg1"/>
                 </a:solidFill>
@@ -3378,7 +3029,7 @@
               </a:rPr>
               <a:t>.</a:t>
             </a:r>
-            <a:endParaRPr kumimoji="1" lang="zh-CN" altLang="en-US" sz="1600" b="1" dirty="0">
+            <a:endParaRPr kumimoji="1" lang="zh-CN" altLang="en-US" sz="2133" b="1" dirty="0">
               <a:solidFill>
                 <a:schemeClr val="bg1"/>
               </a:solidFill>
@@ -3448,8 +3099,8 @@
         </p:blipFill>
         <p:spPr>
           <a:xfrm>
-            <a:off x="6470182" y="802886"/>
-            <a:ext cx="4965113" cy="6255835"/>
+            <a:off x="3071454" y="1070516"/>
+            <a:ext cx="6620151" cy="8341113"/>
           </a:xfrm>
           <a:prstGeom prst="rect">
             <a:avLst/>
@@ -3469,10 +3120,78 @@
 </p:sld>
 </file>
 
+<file path=ppt/slides/slide3.xml><?xml version="1.0" encoding="utf-8"?>
+<p:sld xmlns:a="http://schemas.openxmlformats.org/drawingml/2006/main" xmlns:r="http://schemas.openxmlformats.org/officeDocument/2006/relationships" xmlns:p="http://schemas.openxmlformats.org/presentationml/2006/main">
+  <p:cSld>
+    <p:bg>
+      <p:bgPr>
+        <a:solidFill>
+          <a:schemeClr val="tx1"/>
+        </a:solidFill>
+        <a:effectLst/>
+      </p:bgPr>
+    </p:bg>
+    <p:spTree>
+      <p:nvGrpSpPr>
+        <p:cNvPr id="1" name=""/>
+        <p:cNvGrpSpPr/>
+        <p:nvPr/>
+      </p:nvGrpSpPr>
+      <p:grpSpPr>
+        <a:xfrm>
+          <a:off x="0" y="0"/>
+          <a:ext cx="0" cy="0"/>
+          <a:chOff x="0" y="0"/>
+          <a:chExt cx="0" cy="0"/>
+        </a:xfrm>
+      </p:grpSpPr>
+      <p:pic>
+        <p:nvPicPr>
+          <p:cNvPr id="6" name="图片 5">
+            <a:extLst>
+              <a:ext uri="{FF2B5EF4-FFF2-40B4-BE49-F238E27FC236}">
+                <a16:creationId xmlns:a16="http://schemas.microsoft.com/office/drawing/2014/main" id="{F2B231BC-39C4-80A0-FF82-A4F802FA7277}"/>
+              </a:ext>
+            </a:extLst>
+          </p:cNvPr>
+          <p:cNvPicPr>
+            <a:picLocks noChangeAspect="1"/>
+          </p:cNvPicPr>
+          <p:nvPr/>
+        </p:nvPicPr>
+        <p:blipFill>
+          <a:blip r:embed="rId2"/>
+          <a:stretch>
+            <a:fillRect/>
+          </a:stretch>
+        </p:blipFill>
+        <p:spPr>
+          <a:xfrm>
+            <a:off x="614600" y="1698882"/>
+            <a:ext cx="5909021" cy="7445118"/>
+          </a:xfrm>
+          <a:prstGeom prst="rect">
+            <a:avLst/>
+          </a:prstGeom>
+        </p:spPr>
+      </p:pic>
+    </p:spTree>
+    <p:extLst>
+      <p:ext uri="{BB962C8B-B14F-4D97-AF65-F5344CB8AC3E}">
+        <p14:creationId xmlns:p14="http://schemas.microsoft.com/office/powerpoint/2010/main" val="414000093"/>
+      </p:ext>
+    </p:extLst>
+  </p:cSld>
+  <p:clrMapOvr>
+    <a:masterClrMapping/>
+  </p:clrMapOvr>
+</p:sld>
+</file>
+
 <file path=ppt/theme/theme1.xml><?xml version="1.0" encoding="utf-8"?>
 <a:theme xmlns:a="http://schemas.openxmlformats.org/drawingml/2006/main" name="Office 主题​​">
   <a:themeElements>
-    <a:clrScheme name="Office">
+    <a:clrScheme name="Office 主题​​">
       <a:dk1>
         <a:sysClr val="windowText" lastClr="000000"/>
       </a:dk1>
@@ -3510,9 +3229,9 @@
         <a:srgbClr val="954F72"/>
       </a:folHlink>
     </a:clrScheme>
-    <a:fontScheme name="Office">
+    <a:fontScheme name="Office 主题​​">
       <a:majorFont>
-        <a:latin typeface="等线 Light" panose="020F0302020204030204"/>
+        <a:latin typeface="Calibri Light" panose="020F0302020204030204"/>
         <a:ea typeface=""/>
         <a:cs typeface=""/>
         <a:font script="Jpan" typeface="游ゴシック Light"/>
@@ -3545,26 +3264,9 @@
         <a:font script="Viet" typeface="Times New Roman"/>
         <a:font script="Uigh" typeface="Microsoft Uighur"/>
         <a:font script="Geor" typeface="Sylfaen"/>
-        <a:font script="Armn" typeface="Arial"/>
-        <a:font script="Bugi" typeface="Leelawadee UI"/>
-        <a:font script="Bopo" typeface="Microsoft JhengHei"/>
-        <a:font script="Java" typeface="Javanese Text"/>
-        <a:font script="Lisu" typeface="Segoe UI"/>
-        <a:font script="Mymr" typeface="Myanmar Text"/>
-        <a:font script="Nkoo" typeface="Ebrima"/>
-        <a:font script="Olck" typeface="Nirmala UI"/>
-        <a:font script="Osma" typeface="Ebrima"/>
-        <a:font script="Phag" typeface="Phagspa"/>
-        <a:font script="Syrn" typeface="Estrangelo Edessa"/>
-        <a:font script="Syrj" typeface="Estrangelo Edessa"/>
-        <a:font script="Syre" typeface="Estrangelo Edessa"/>
-        <a:font script="Sora" typeface="Nirmala UI"/>
-        <a:font script="Tale" typeface="Microsoft Tai Le"/>
-        <a:font script="Talu" typeface="Microsoft New Tai Lue"/>
-        <a:font script="Tfng" typeface="Ebrima"/>
       </a:majorFont>
       <a:minorFont>
-        <a:latin typeface="等线" panose="020F0502020204030204"/>
+        <a:latin typeface="Calibri" panose="020F0502020204030204"/>
         <a:ea typeface=""/>
         <a:cs typeface=""/>
         <a:font script="Jpan" typeface="游ゴシック"/>
@@ -3597,26 +3299,9 @@
         <a:font script="Viet" typeface="Arial"/>
         <a:font script="Uigh" typeface="Microsoft Uighur"/>
         <a:font script="Geor" typeface="Sylfaen"/>
-        <a:font script="Armn" typeface="Arial"/>
-        <a:font script="Bugi" typeface="Leelawadee UI"/>
-        <a:font script="Bopo" typeface="Microsoft JhengHei"/>
-        <a:font script="Java" typeface="Javanese Text"/>
-        <a:font script="Lisu" typeface="Segoe UI"/>
-        <a:font script="Mymr" typeface="Myanmar Text"/>
-        <a:font script="Nkoo" typeface="Ebrima"/>
-        <a:font script="Olck" typeface="Nirmala UI"/>
-        <a:font script="Osma" typeface="Ebrima"/>
-        <a:font script="Phag" typeface="Phagspa"/>
-        <a:font script="Syrn" typeface="Estrangelo Edessa"/>
-        <a:font script="Syrj" typeface="Estrangelo Edessa"/>
-        <a:font script="Syre" typeface="Estrangelo Edessa"/>
-        <a:font script="Sora" typeface="Nirmala UI"/>
-        <a:font script="Tale" typeface="Microsoft Tai Le"/>
-        <a:font script="Talu" typeface="Microsoft New Tai Lue"/>
-        <a:font script="Tfng" typeface="Ebrima"/>
       </a:minorFont>
     </a:fontScheme>
-    <a:fmtScheme name="Office">
+    <a:fmtScheme name="Office 主题​​">
       <a:fillStyleLst>
         <a:solidFill>
           <a:schemeClr val="phClr"/>
@@ -3758,7 +3443,7 @@
   <a:extraClrSchemeLst/>
   <a:extLst>
     <a:ext uri="{05A4C25C-085E-4340-85A3-A5531E510DB2}">
-      <thm15:themeFamily xmlns:thm15="http://schemas.microsoft.com/office/thememl/2012/main" name="Office Theme" id="{62F939B6-93AF-4DB8-9C6B-D6C7DFDC589F}" vid="{4A3C46E8-61CC-4603-A589-7422A47A8E4A}"/>
+      <thm15:themeFamily xmlns:thm15="http://schemas.microsoft.com/office/thememl/2012/main" name="Office 2013 - 2022 Theme" id="{62F939B6-93AF-4DB8-9C6B-D6C7DFDC589F}" vid="{4A3C46E8-61CC-4603-A589-7422A47A8E4A}"/>
     </a:ext>
   </a:extLst>
 </a:theme>

--- a/assets.pptx
+++ b/assets.pptx
@@ -8,6 +8,7 @@
     <p:sldId id="256" r:id="rId2"/>
     <p:sldId id="257" r:id="rId3"/>
     <p:sldId id="258" r:id="rId4"/>
+    <p:sldId id="259" r:id="rId5"/>
   </p:sldIdLst>
   <p:sldSz cx="5145088" cy="9144000"/>
   <p:notesSz cx="6858000" cy="9144000"/>
@@ -245,7 +246,7 @@
           <a:p>
             <a:fld id="{EFF22EFD-1589-774C-B8CD-B5AC818481EA}" type="datetimeFigureOut">
               <a:rPr kumimoji="1" lang="zh-CN" altLang="en-US" smtClean="0"/>
-              <a:t>2023/8/24</a:t>
+              <a:t>2023/10/24</a:t>
             </a:fld>
             <a:endParaRPr kumimoji="1" lang="zh-CN" altLang="en-US"/>
           </a:p>
@@ -415,7 +416,7 @@
           <a:p>
             <a:fld id="{EFF22EFD-1589-774C-B8CD-B5AC818481EA}" type="datetimeFigureOut">
               <a:rPr kumimoji="1" lang="zh-CN" altLang="en-US" smtClean="0"/>
-              <a:t>2023/8/24</a:t>
+              <a:t>2023/10/24</a:t>
             </a:fld>
             <a:endParaRPr kumimoji="1" lang="zh-CN" altLang="en-US"/>
           </a:p>
@@ -595,7 +596,7 @@
           <a:p>
             <a:fld id="{EFF22EFD-1589-774C-B8CD-B5AC818481EA}" type="datetimeFigureOut">
               <a:rPr kumimoji="1" lang="zh-CN" altLang="en-US" smtClean="0"/>
-              <a:t>2023/8/24</a:t>
+              <a:t>2023/10/24</a:t>
             </a:fld>
             <a:endParaRPr kumimoji="1" lang="zh-CN" altLang="en-US"/>
           </a:p>
@@ -765,7 +766,7 @@
           <a:p>
             <a:fld id="{EFF22EFD-1589-774C-B8CD-B5AC818481EA}" type="datetimeFigureOut">
               <a:rPr kumimoji="1" lang="zh-CN" altLang="en-US" smtClean="0"/>
-              <a:t>2023/8/24</a:t>
+              <a:t>2023/10/24</a:t>
             </a:fld>
             <a:endParaRPr kumimoji="1" lang="zh-CN" altLang="en-US"/>
           </a:p>
@@ -1009,7 +1010,7 @@
           <a:p>
             <a:fld id="{EFF22EFD-1589-774C-B8CD-B5AC818481EA}" type="datetimeFigureOut">
               <a:rPr kumimoji="1" lang="zh-CN" altLang="en-US" smtClean="0"/>
-              <a:t>2023/8/24</a:t>
+              <a:t>2023/10/24</a:t>
             </a:fld>
             <a:endParaRPr kumimoji="1" lang="zh-CN" altLang="en-US"/>
           </a:p>
@@ -1241,7 +1242,7 @@
           <a:p>
             <a:fld id="{EFF22EFD-1589-774C-B8CD-B5AC818481EA}" type="datetimeFigureOut">
               <a:rPr kumimoji="1" lang="zh-CN" altLang="en-US" smtClean="0"/>
-              <a:t>2023/8/24</a:t>
+              <a:t>2023/10/24</a:t>
             </a:fld>
             <a:endParaRPr kumimoji="1" lang="zh-CN" altLang="en-US"/>
           </a:p>
@@ -1608,7 +1609,7 @@
           <a:p>
             <a:fld id="{EFF22EFD-1589-774C-B8CD-B5AC818481EA}" type="datetimeFigureOut">
               <a:rPr kumimoji="1" lang="zh-CN" altLang="en-US" smtClean="0"/>
-              <a:t>2023/8/24</a:t>
+              <a:t>2023/10/24</a:t>
             </a:fld>
             <a:endParaRPr kumimoji="1" lang="zh-CN" altLang="en-US"/>
           </a:p>
@@ -1726,7 +1727,7 @@
           <a:p>
             <a:fld id="{EFF22EFD-1589-774C-B8CD-B5AC818481EA}" type="datetimeFigureOut">
               <a:rPr kumimoji="1" lang="zh-CN" altLang="en-US" smtClean="0"/>
-              <a:t>2023/8/24</a:t>
+              <a:t>2023/10/24</a:t>
             </a:fld>
             <a:endParaRPr kumimoji="1" lang="zh-CN" altLang="en-US"/>
           </a:p>
@@ -1821,7 +1822,7 @@
           <a:p>
             <a:fld id="{EFF22EFD-1589-774C-B8CD-B5AC818481EA}" type="datetimeFigureOut">
               <a:rPr kumimoji="1" lang="zh-CN" altLang="en-US" smtClean="0"/>
-              <a:t>2023/8/24</a:t>
+              <a:t>2023/10/24</a:t>
             </a:fld>
             <a:endParaRPr kumimoji="1" lang="zh-CN" altLang="en-US"/>
           </a:p>
@@ -2098,7 +2099,7 @@
           <a:p>
             <a:fld id="{EFF22EFD-1589-774C-B8CD-B5AC818481EA}" type="datetimeFigureOut">
               <a:rPr kumimoji="1" lang="zh-CN" altLang="en-US" smtClean="0"/>
-              <a:t>2023/8/24</a:t>
+              <a:t>2023/10/24</a:t>
             </a:fld>
             <a:endParaRPr kumimoji="1" lang="zh-CN" altLang="en-US"/>
           </a:p>
@@ -2355,7 +2356,7 @@
           <a:p>
             <a:fld id="{EFF22EFD-1589-774C-B8CD-B5AC818481EA}" type="datetimeFigureOut">
               <a:rPr kumimoji="1" lang="zh-CN" altLang="en-US" smtClean="0"/>
-              <a:t>2023/8/24</a:t>
+              <a:t>2023/10/24</a:t>
             </a:fld>
             <a:endParaRPr kumimoji="1" lang="zh-CN" altLang="en-US"/>
           </a:p>
@@ -2568,7 +2569,7 @@
           <a:p>
             <a:fld id="{EFF22EFD-1589-774C-B8CD-B5AC818481EA}" type="datetimeFigureOut">
               <a:rPr kumimoji="1" lang="zh-CN" altLang="en-US" smtClean="0"/>
-              <a:t>2023/8/24</a:t>
+              <a:t>2023/10/24</a:t>
             </a:fld>
             <a:endParaRPr kumimoji="1" lang="zh-CN" altLang="en-US"/>
           </a:p>
@@ -3188,6 +3189,374 @@
 </p:sld>
 </file>
 
+<file path=ppt/slides/slide4.xml><?xml version="1.0" encoding="utf-8"?>
+<p:sld xmlns:a="http://schemas.openxmlformats.org/drawingml/2006/main" xmlns:r="http://schemas.openxmlformats.org/officeDocument/2006/relationships" xmlns:p="http://schemas.openxmlformats.org/presentationml/2006/main">
+  <p:cSld>
+    <p:spTree>
+      <p:nvGrpSpPr>
+        <p:cNvPr id="1" name=""/>
+        <p:cNvGrpSpPr/>
+        <p:nvPr/>
+      </p:nvGrpSpPr>
+      <p:grpSpPr>
+        <a:xfrm>
+          <a:off x="0" y="0"/>
+          <a:ext cx="0" cy="0"/>
+          <a:chOff x="0" y="0"/>
+          <a:chExt cx="0" cy="0"/>
+        </a:xfrm>
+      </p:grpSpPr>
+      <p:sp>
+        <p:nvSpPr>
+          <p:cNvPr id="7" name="任意形状 6">
+            <a:extLst>
+              <a:ext uri="{FF2B5EF4-FFF2-40B4-BE49-F238E27FC236}">
+                <a16:creationId xmlns:a16="http://schemas.microsoft.com/office/drawing/2014/main" id="{9AC7BA60-9129-7D70-EB73-F32623DAB5BC}"/>
+              </a:ext>
+            </a:extLst>
+          </p:cNvPr>
+          <p:cNvSpPr/>
+          <p:nvPr/>
+        </p:nvSpPr>
+        <p:spPr>
+          <a:xfrm>
+            <a:off x="-22" y="1714643"/>
+            <a:ext cx="5145088" cy="5145088"/>
+          </a:xfrm>
+          <a:custGeom>
+            <a:avLst/>
+            <a:gdLst>
+              <a:gd name="connsiteX0" fmla="*/ 5145088 w 5145088"/>
+              <a:gd name="connsiteY0" fmla="*/ 2572544 h 5145088"/>
+              <a:gd name="connsiteX1" fmla="*/ 2572544 w 5145088"/>
+              <a:gd name="connsiteY1" fmla="*/ 5145088 h 5145088"/>
+              <a:gd name="connsiteX2" fmla="*/ 0 w 5145088"/>
+              <a:gd name="connsiteY2" fmla="*/ 2572544 h 5145088"/>
+              <a:gd name="connsiteX3" fmla="*/ 2572544 w 5145088"/>
+              <a:gd name="connsiteY3" fmla="*/ 0 h 5145088"/>
+              <a:gd name="connsiteX4" fmla="*/ 5145088 w 5145088"/>
+              <a:gd name="connsiteY4" fmla="*/ 2572544 h 5145088"/>
+            </a:gdLst>
+            <a:ahLst/>
+            <a:cxnLst>
+              <a:cxn ang="0">
+                <a:pos x="connsiteX0" y="connsiteY0"/>
+              </a:cxn>
+              <a:cxn ang="0">
+                <a:pos x="connsiteX1" y="connsiteY1"/>
+              </a:cxn>
+              <a:cxn ang="0">
+                <a:pos x="connsiteX2" y="connsiteY2"/>
+              </a:cxn>
+              <a:cxn ang="0">
+                <a:pos x="connsiteX3" y="connsiteY3"/>
+              </a:cxn>
+              <a:cxn ang="0">
+                <a:pos x="connsiteX4" y="connsiteY4"/>
+              </a:cxn>
+            </a:cxnLst>
+            <a:rect l="l" t="t" r="r" b="b"/>
+            <a:pathLst>
+              <a:path w="5145088" h="5145088">
+                <a:moveTo>
+                  <a:pt x="5145088" y="2572544"/>
+                </a:moveTo>
+                <a:cubicBezTo>
+                  <a:pt x="5145088" y="3993362"/>
+                  <a:pt x="3993362" y="5145088"/>
+                  <a:pt x="2572544" y="5145088"/>
+                </a:cubicBezTo>
+                <a:cubicBezTo>
+                  <a:pt x="1151726" y="5145088"/>
+                  <a:pt x="0" y="3993362"/>
+                  <a:pt x="0" y="2572544"/>
+                </a:cubicBezTo>
+                <a:cubicBezTo>
+                  <a:pt x="0" y="1151726"/>
+                  <a:pt x="1151726" y="0"/>
+                  <a:pt x="2572544" y="0"/>
+                </a:cubicBezTo>
+                <a:cubicBezTo>
+                  <a:pt x="3993362" y="0"/>
+                  <a:pt x="5145088" y="1151726"/>
+                  <a:pt x="5145088" y="2572544"/>
+                </a:cubicBezTo>
+                <a:close/>
+              </a:path>
+            </a:pathLst>
+          </a:custGeom>
+          <a:solidFill>
+            <a:srgbClr val="FF004F"/>
+          </a:solidFill>
+          <a:ln w="5023" cap="flat">
+            <a:noFill/>
+            <a:prstDash val="solid"/>
+            <a:miter/>
+          </a:ln>
+        </p:spPr>
+        <p:txBody>
+          <a:bodyPr rtlCol="0" anchor="ctr"/>
+          <a:lstStyle/>
+          <a:p>
+            <a:endParaRPr lang="zh-CN" altLang="en-US" dirty="0"/>
+          </a:p>
+        </p:txBody>
+      </p:sp>
+      <p:sp>
+        <p:nvSpPr>
+          <p:cNvPr id="8" name="任意形状 7">
+            <a:extLst>
+              <a:ext uri="{FF2B5EF4-FFF2-40B4-BE49-F238E27FC236}">
+                <a16:creationId xmlns:a16="http://schemas.microsoft.com/office/drawing/2014/main" id="{35F3D550-5820-63A0-53B4-E660DD9CE616}"/>
+              </a:ext>
+            </a:extLst>
+          </p:cNvPr>
+          <p:cNvSpPr/>
+          <p:nvPr/>
+        </p:nvSpPr>
+        <p:spPr>
+          <a:xfrm>
+            <a:off x="1157646" y="2872265"/>
+            <a:ext cx="2829796" cy="2701193"/>
+          </a:xfrm>
+          <a:custGeom>
+            <a:avLst/>
+            <a:gdLst>
+              <a:gd name="connsiteX0" fmla="*/ 1322394 w 2829796"/>
+              <a:gd name="connsiteY0" fmla="*/ 22663 h 2701193"/>
+              <a:gd name="connsiteX1" fmla="*/ 1506331 w 2829796"/>
+              <a:gd name="connsiteY1" fmla="*/ 22663 h 2701193"/>
+              <a:gd name="connsiteX2" fmla="*/ 1516169 w 2829796"/>
+              <a:gd name="connsiteY2" fmla="*/ 27808 h 2701193"/>
+              <a:gd name="connsiteX3" fmla="*/ 1524399 w 2829796"/>
+              <a:gd name="connsiteY3" fmla="*/ 35526 h 2701193"/>
+              <a:gd name="connsiteX4" fmla="*/ 2749061 w 2829796"/>
+              <a:gd name="connsiteY4" fmla="*/ 1163586 h 2701193"/>
+              <a:gd name="connsiteX5" fmla="*/ 2818067 w 2829796"/>
+              <a:gd name="connsiteY5" fmla="*/ 1409907 h 2701193"/>
+              <a:gd name="connsiteX6" fmla="*/ 2639150 w 2829796"/>
+              <a:gd name="connsiteY6" fmla="*/ 1526315 h 2701193"/>
+              <a:gd name="connsiteX7" fmla="*/ 2379579 w 2829796"/>
+              <a:gd name="connsiteY7" fmla="*/ 1526315 h 2701193"/>
+              <a:gd name="connsiteX8" fmla="*/ 2379579 w 2829796"/>
+              <a:gd name="connsiteY8" fmla="*/ 2443939 h 2701193"/>
+              <a:gd name="connsiteX9" fmla="*/ 2122325 w 2829796"/>
+              <a:gd name="connsiteY9" fmla="*/ 2701194 h 2701193"/>
+              <a:gd name="connsiteX10" fmla="*/ 1736443 w 2829796"/>
+              <a:gd name="connsiteY10" fmla="*/ 2701194 h 2701193"/>
+              <a:gd name="connsiteX11" fmla="*/ 1736443 w 2829796"/>
+              <a:gd name="connsiteY11" fmla="*/ 2122371 h 2701193"/>
+              <a:gd name="connsiteX12" fmla="*/ 1414875 w 2829796"/>
+              <a:gd name="connsiteY12" fmla="*/ 1800803 h 2701193"/>
+              <a:gd name="connsiteX13" fmla="*/ 1093307 w 2829796"/>
+              <a:gd name="connsiteY13" fmla="*/ 2122371 h 2701193"/>
+              <a:gd name="connsiteX14" fmla="*/ 1093307 w 2829796"/>
+              <a:gd name="connsiteY14" fmla="*/ 2701194 h 2701193"/>
+              <a:gd name="connsiteX15" fmla="*/ 707426 w 2829796"/>
+              <a:gd name="connsiteY15" fmla="*/ 2701194 h 2701193"/>
+              <a:gd name="connsiteX16" fmla="*/ 450171 w 2829796"/>
+              <a:gd name="connsiteY16" fmla="*/ 2443939 h 2701193"/>
+              <a:gd name="connsiteX17" fmla="*/ 450171 w 2829796"/>
+              <a:gd name="connsiteY17" fmla="*/ 1526315 h 2701193"/>
+              <a:gd name="connsiteX18" fmla="*/ 177672 w 2829796"/>
+              <a:gd name="connsiteY18" fmla="*/ 1526315 h 2701193"/>
+              <a:gd name="connsiteX19" fmla="*/ 11743 w 2829796"/>
+              <a:gd name="connsiteY19" fmla="*/ 1407978 h 2701193"/>
+              <a:gd name="connsiteX20" fmla="*/ 81654 w 2829796"/>
+              <a:gd name="connsiteY20" fmla="*/ 1162300 h 2701193"/>
+              <a:gd name="connsiteX21" fmla="*/ 1312617 w 2829796"/>
+              <a:gd name="connsiteY21" fmla="*/ 27808 h 2701193"/>
+            </a:gdLst>
+            <a:ahLst/>
+            <a:cxnLst>
+              <a:cxn ang="0">
+                <a:pos x="connsiteX0" y="connsiteY0"/>
+              </a:cxn>
+              <a:cxn ang="0">
+                <a:pos x="connsiteX1" y="connsiteY1"/>
+              </a:cxn>
+              <a:cxn ang="0">
+                <a:pos x="connsiteX2" y="connsiteY2"/>
+              </a:cxn>
+              <a:cxn ang="0">
+                <a:pos x="connsiteX3" y="connsiteY3"/>
+              </a:cxn>
+              <a:cxn ang="0">
+                <a:pos x="connsiteX4" y="connsiteY4"/>
+              </a:cxn>
+              <a:cxn ang="0">
+                <a:pos x="connsiteX5" y="connsiteY5"/>
+              </a:cxn>
+              <a:cxn ang="0">
+                <a:pos x="connsiteX6" y="connsiteY6"/>
+              </a:cxn>
+              <a:cxn ang="0">
+                <a:pos x="connsiteX7" y="connsiteY7"/>
+              </a:cxn>
+              <a:cxn ang="0">
+                <a:pos x="connsiteX8" y="connsiteY8"/>
+              </a:cxn>
+              <a:cxn ang="0">
+                <a:pos x="connsiteX9" y="connsiteY9"/>
+              </a:cxn>
+              <a:cxn ang="0">
+                <a:pos x="connsiteX10" y="connsiteY10"/>
+              </a:cxn>
+              <a:cxn ang="0">
+                <a:pos x="connsiteX11" y="connsiteY11"/>
+              </a:cxn>
+              <a:cxn ang="0">
+                <a:pos x="connsiteX12" y="connsiteY12"/>
+              </a:cxn>
+              <a:cxn ang="0">
+                <a:pos x="connsiteX13" y="connsiteY13"/>
+              </a:cxn>
+              <a:cxn ang="0">
+                <a:pos x="connsiteX14" y="connsiteY14"/>
+              </a:cxn>
+              <a:cxn ang="0">
+                <a:pos x="connsiteX15" y="connsiteY15"/>
+              </a:cxn>
+              <a:cxn ang="0">
+                <a:pos x="connsiteX16" y="connsiteY16"/>
+              </a:cxn>
+              <a:cxn ang="0">
+                <a:pos x="connsiteX17" y="connsiteY17"/>
+              </a:cxn>
+              <a:cxn ang="0">
+                <a:pos x="connsiteX18" y="connsiteY18"/>
+              </a:cxn>
+              <a:cxn ang="0">
+                <a:pos x="connsiteX19" y="connsiteY19"/>
+              </a:cxn>
+              <a:cxn ang="0">
+                <a:pos x="connsiteX20" y="connsiteY20"/>
+              </a:cxn>
+              <a:cxn ang="0">
+                <a:pos x="connsiteX21" y="connsiteY21"/>
+              </a:cxn>
+            </a:cxnLst>
+            <a:rect l="l" t="t" r="r" b="b"/>
+            <a:pathLst>
+              <a:path w="2829796" h="2701193">
+                <a:moveTo>
+                  <a:pt x="1322394" y="22663"/>
+                </a:moveTo>
+                <a:cubicBezTo>
+                  <a:pt x="1379980" y="-7554"/>
+                  <a:pt x="1448740" y="-7554"/>
+                  <a:pt x="1506331" y="22663"/>
+                </a:cubicBezTo>
+                <a:lnTo>
+                  <a:pt x="1516169" y="27808"/>
+                </a:lnTo>
+                <a:lnTo>
+                  <a:pt x="1524399" y="35526"/>
+                </a:lnTo>
+                <a:lnTo>
+                  <a:pt x="2749061" y="1163586"/>
+                </a:lnTo>
+                <a:cubicBezTo>
+                  <a:pt x="2820253" y="1223865"/>
+                  <a:pt x="2847576" y="1321411"/>
+                  <a:pt x="2818067" y="1409907"/>
+                </a:cubicBezTo>
+                <a:cubicBezTo>
+                  <a:pt x="2789000" y="1482602"/>
+                  <a:pt x="2717386" y="1529194"/>
+                  <a:pt x="2639150" y="1526315"/>
+                </a:cubicBezTo>
+                <a:lnTo>
+                  <a:pt x="2379579" y="1526315"/>
+                </a:lnTo>
+                <a:lnTo>
+                  <a:pt x="2379579" y="2443939"/>
+                </a:lnTo>
+                <a:cubicBezTo>
+                  <a:pt x="2379579" y="2586017"/>
+                  <a:pt x="2264403" y="2701194"/>
+                  <a:pt x="2122325" y="2701194"/>
+                </a:cubicBezTo>
+                <a:lnTo>
+                  <a:pt x="1736443" y="2701194"/>
+                </a:lnTo>
+                <a:lnTo>
+                  <a:pt x="1736443" y="2122371"/>
+                </a:lnTo>
+                <a:cubicBezTo>
+                  <a:pt x="1736443" y="1944775"/>
+                  <a:pt x="1592471" y="1800803"/>
+                  <a:pt x="1414875" y="1800803"/>
+                </a:cubicBezTo>
+                <a:cubicBezTo>
+                  <a:pt x="1237279" y="1800803"/>
+                  <a:pt x="1093307" y="1944775"/>
+                  <a:pt x="1093307" y="2122371"/>
+                </a:cubicBezTo>
+                <a:lnTo>
+                  <a:pt x="1093307" y="2701194"/>
+                </a:lnTo>
+                <a:lnTo>
+                  <a:pt x="707426" y="2701194"/>
+                </a:lnTo>
+                <a:cubicBezTo>
+                  <a:pt x="565348" y="2701194"/>
+                  <a:pt x="450171" y="2586017"/>
+                  <a:pt x="450171" y="2443939"/>
+                </a:cubicBezTo>
+                <a:lnTo>
+                  <a:pt x="450171" y="1526315"/>
+                </a:lnTo>
+                <a:lnTo>
+                  <a:pt x="177672" y="1526315"/>
+                </a:lnTo>
+                <a:cubicBezTo>
+                  <a:pt x="103581" y="1523883"/>
+                  <a:pt x="38177" y="1477236"/>
+                  <a:pt x="11743" y="1407978"/>
+                </a:cubicBezTo>
+                <a:cubicBezTo>
+                  <a:pt x="-17942" y="1319507"/>
+                  <a:pt x="9839" y="1221886"/>
+                  <a:pt x="81654" y="1162300"/>
+                </a:cubicBezTo>
+                <a:lnTo>
+                  <a:pt x="1312617" y="27808"/>
+                </a:lnTo>
+                <a:close/>
+              </a:path>
+            </a:pathLst>
+          </a:custGeom>
+          <a:solidFill>
+            <a:srgbClr val="FFFFFF"/>
+          </a:solidFill>
+          <a:ln w="5023" cap="flat">
+            <a:noFill/>
+            <a:prstDash val="solid"/>
+            <a:miter/>
+          </a:ln>
+        </p:spPr>
+        <p:txBody>
+          <a:bodyPr rtlCol="0" anchor="ctr"/>
+          <a:lstStyle/>
+          <a:p>
+            <a:endParaRPr lang="zh-CN" altLang="en-US"/>
+          </a:p>
+        </p:txBody>
+      </p:sp>
+    </p:spTree>
+    <p:extLst>
+      <p:ext uri="{BB962C8B-B14F-4D97-AF65-F5344CB8AC3E}">
+        <p14:creationId xmlns:p14="http://schemas.microsoft.com/office/powerpoint/2010/main" val="175815751"/>
+      </p:ext>
+    </p:extLst>
+  </p:cSld>
+  <p:clrMapOvr>
+    <a:masterClrMapping/>
+  </p:clrMapOvr>
+</p:sld>
+</file>
+
 <file path=ppt/theme/theme1.xml><?xml version="1.0" encoding="utf-8"?>
 <a:theme xmlns:a="http://schemas.openxmlformats.org/drawingml/2006/main" name="Office 主题​​">
   <a:themeElements>
